--- a/Diapositivas/Parte 02.Regresión/02_03_Polynomial_Regression.pptx
+++ b/Diapositivas/Parte 02.Regresión/02_03_Polynomial_Regression.pptx
@@ -5308,7 +5308,7 @@
           <a:p>
             <a:fld id="{6C73E373-4A5A-9F47-B78B-3F6D862D2DA4}" type="datetimeFigureOut">
               <a:rPr lang="es-CO" smtClean="0"/>
-              <a:t>23/06/2023</a:t>
+              <a:t>30/08/2023</a:t>
             </a:fld>
             <a:endParaRPr lang="es-CO"/>
           </a:p>
@@ -5576,6 +5576,278 @@
 </p:notesMaster>
 </file>
 
+<file path=ppt/notesSlides/notesSlide1.xml><?xml version="1.0" encoding="utf-8"?>
+<p:notes xmlns:a="http://schemas.openxmlformats.org/drawingml/2006/main" xmlns:r="http://schemas.openxmlformats.org/officeDocument/2006/relationships" xmlns:p="http://schemas.openxmlformats.org/presentationml/2006/main">
+  <p:cSld>
+    <p:spTree>
+      <p:nvGrpSpPr>
+        <p:cNvPr id="1" name=""/>
+        <p:cNvGrpSpPr/>
+        <p:nvPr/>
+      </p:nvGrpSpPr>
+      <p:grpSpPr>
+        <a:xfrm>
+          <a:off x="0" y="0"/>
+          <a:ext cx="0" cy="0"/>
+          <a:chOff x="0" y="0"/>
+          <a:chExt cx="0" cy="0"/>
+        </a:xfrm>
+      </p:grpSpPr>
+      <p:sp>
+        <p:nvSpPr>
+          <p:cNvPr id="2" name="Slide Image Placeholder 1"/>
+          <p:cNvSpPr>
+            <a:spLocks noGrp="1" noRot="1" noChangeAspect="1"/>
+          </p:cNvSpPr>
+          <p:nvPr>
+            <p:ph type="sldImg"/>
+          </p:nvPr>
+        </p:nvSpPr>
+        <p:spPr/>
+      </p:sp>
+      <p:sp>
+        <p:nvSpPr>
+          <p:cNvPr id="3" name="Notes Placeholder 2"/>
+          <p:cNvSpPr>
+            <a:spLocks noGrp="1"/>
+          </p:cNvSpPr>
+          <p:nvPr>
+            <p:ph type="body" idx="1"/>
+          </p:nvPr>
+        </p:nvSpPr>
+        <p:spPr/>
+        <p:txBody>
+          <a:bodyPr/>
+          <a:lstStyle/>
+          <a:p>
+            <a:r>
+              <a:rPr lang="es-MX" smtClean="0"/>
+              <a:t>En la regresión lineal polinómica, el</a:t>
+            </a:r>
+            <a:r>
+              <a:rPr lang="es-MX" baseline="0" smtClean="0"/>
+              <a:t> valor de N determina el grado del polinomio</a:t>
+            </a:r>
+            <a:endParaRPr lang="es-MX"/>
+          </a:p>
+        </p:txBody>
+      </p:sp>
+      <p:sp>
+        <p:nvSpPr>
+          <p:cNvPr id="4" name="Slide Number Placeholder 3"/>
+          <p:cNvSpPr>
+            <a:spLocks noGrp="1"/>
+          </p:cNvSpPr>
+          <p:nvPr>
+            <p:ph type="sldNum" sz="quarter" idx="10"/>
+          </p:nvPr>
+        </p:nvSpPr>
+        <p:spPr/>
+        <p:txBody>
+          <a:bodyPr/>
+          <a:lstStyle/>
+          <a:p>
+            <a:fld id="{6295C7E2-46FE-4042-8B77-7B8FCCEDDC92}" type="slidenum">
+              <a:rPr lang="es-CO" smtClean="0"/>
+              <a:t>3</a:t>
+            </a:fld>
+            <a:endParaRPr lang="es-CO"/>
+          </a:p>
+        </p:txBody>
+      </p:sp>
+    </p:spTree>
+    <p:extLst>
+      <p:ext uri="{BB962C8B-B14F-4D97-AF65-F5344CB8AC3E}">
+        <p14:creationId xmlns:p14="http://schemas.microsoft.com/office/powerpoint/2010/main" val="4210826528"/>
+      </p:ext>
+    </p:extLst>
+  </p:cSld>
+  <p:clrMapOvr>
+    <a:masterClrMapping/>
+  </p:clrMapOvr>
+</p:notes>
+</file>
+
+<file path=ppt/notesSlides/notesSlide2.xml><?xml version="1.0" encoding="utf-8"?>
+<p:notes xmlns:a="http://schemas.openxmlformats.org/drawingml/2006/main" xmlns:r="http://schemas.openxmlformats.org/officeDocument/2006/relationships" xmlns:p="http://schemas.openxmlformats.org/presentationml/2006/main">
+  <p:cSld>
+    <p:spTree>
+      <p:nvGrpSpPr>
+        <p:cNvPr id="1" name=""/>
+        <p:cNvGrpSpPr/>
+        <p:nvPr/>
+      </p:nvGrpSpPr>
+      <p:grpSpPr>
+        <a:xfrm>
+          <a:off x="0" y="0"/>
+          <a:ext cx="0" cy="0"/>
+          <a:chOff x="0" y="0"/>
+          <a:chExt cx="0" cy="0"/>
+        </a:xfrm>
+      </p:grpSpPr>
+      <p:sp>
+        <p:nvSpPr>
+          <p:cNvPr id="2" name="Slide Image Placeholder 1"/>
+          <p:cNvSpPr>
+            <a:spLocks noGrp="1" noRot="1" noChangeAspect="1"/>
+          </p:cNvSpPr>
+          <p:nvPr>
+            <p:ph type="sldImg"/>
+          </p:nvPr>
+        </p:nvSpPr>
+        <p:spPr/>
+      </p:sp>
+      <p:sp>
+        <p:nvSpPr>
+          <p:cNvPr id="3" name="Notes Placeholder 2"/>
+          <p:cNvSpPr>
+            <a:spLocks noGrp="1"/>
+          </p:cNvSpPr>
+          <p:nvPr>
+            <p:ph type="body" idx="1"/>
+          </p:nvPr>
+        </p:nvSpPr>
+        <p:spPr/>
+        <p:txBody>
+          <a:bodyPr/>
+          <a:lstStyle/>
+          <a:p>
+            <a:r>
+              <a:rPr lang="es-MX" smtClean="0"/>
+              <a:t>En la regresión lineal, se trata de ajustar</a:t>
+            </a:r>
+            <a:r>
+              <a:rPr lang="es-MX" baseline="0" smtClean="0"/>
+              <a:t> una línea recta a los datos</a:t>
+            </a:r>
+            <a:endParaRPr lang="es-MX"/>
+          </a:p>
+        </p:txBody>
+      </p:sp>
+      <p:sp>
+        <p:nvSpPr>
+          <p:cNvPr id="4" name="Slide Number Placeholder 3"/>
+          <p:cNvSpPr>
+            <a:spLocks noGrp="1"/>
+          </p:cNvSpPr>
+          <p:nvPr>
+            <p:ph type="sldNum" sz="quarter" idx="10"/>
+          </p:nvPr>
+        </p:nvSpPr>
+        <p:spPr/>
+        <p:txBody>
+          <a:bodyPr/>
+          <a:lstStyle/>
+          <a:p>
+            <a:fld id="{6295C7E2-46FE-4042-8B77-7B8FCCEDDC92}" type="slidenum">
+              <a:rPr lang="es-CO" smtClean="0"/>
+              <a:t>4</a:t>
+            </a:fld>
+            <a:endParaRPr lang="es-CO"/>
+          </a:p>
+        </p:txBody>
+      </p:sp>
+    </p:spTree>
+    <p:extLst>
+      <p:ext uri="{BB962C8B-B14F-4D97-AF65-F5344CB8AC3E}">
+        <p14:creationId xmlns:p14="http://schemas.microsoft.com/office/powerpoint/2010/main" val="1682852488"/>
+      </p:ext>
+    </p:extLst>
+  </p:cSld>
+  <p:clrMapOvr>
+    <a:masterClrMapping/>
+  </p:clrMapOvr>
+</p:notes>
+</file>
+
+<file path=ppt/notesSlides/notesSlide3.xml><?xml version="1.0" encoding="utf-8"?>
+<p:notes xmlns:a="http://schemas.openxmlformats.org/drawingml/2006/main" xmlns:r="http://schemas.openxmlformats.org/officeDocument/2006/relationships" xmlns:p="http://schemas.openxmlformats.org/presentationml/2006/main">
+  <p:cSld>
+    <p:spTree>
+      <p:nvGrpSpPr>
+        <p:cNvPr id="1" name=""/>
+        <p:cNvGrpSpPr/>
+        <p:nvPr/>
+      </p:nvGrpSpPr>
+      <p:grpSpPr>
+        <a:xfrm>
+          <a:off x="0" y="0"/>
+          <a:ext cx="0" cy="0"/>
+          <a:chOff x="0" y="0"/>
+          <a:chExt cx="0" cy="0"/>
+        </a:xfrm>
+      </p:grpSpPr>
+      <p:sp>
+        <p:nvSpPr>
+          <p:cNvPr id="2" name="Slide Image Placeholder 1"/>
+          <p:cNvSpPr>
+            <a:spLocks noGrp="1" noRot="1" noChangeAspect="1"/>
+          </p:cNvSpPr>
+          <p:nvPr>
+            <p:ph type="sldImg"/>
+          </p:nvPr>
+        </p:nvSpPr>
+        <p:spPr/>
+      </p:sp>
+      <p:sp>
+        <p:nvSpPr>
+          <p:cNvPr id="3" name="Notes Placeholder 2"/>
+          <p:cNvSpPr>
+            <a:spLocks noGrp="1"/>
+          </p:cNvSpPr>
+          <p:nvPr>
+            <p:ph type="body" idx="1"/>
+          </p:nvPr>
+        </p:nvSpPr>
+        <p:spPr/>
+        <p:txBody>
+          <a:bodyPr/>
+          <a:lstStyle/>
+          <a:p>
+            <a:r>
+              <a:rPr lang="es-MX" smtClean="0"/>
+              <a:t>En la regresión lineal polinómica se trata de ajustar una función polinómica de grado N a los datos</a:t>
+            </a:r>
+            <a:endParaRPr lang="es-MX"/>
+          </a:p>
+        </p:txBody>
+      </p:sp>
+      <p:sp>
+        <p:nvSpPr>
+          <p:cNvPr id="4" name="Slide Number Placeholder 3"/>
+          <p:cNvSpPr>
+            <a:spLocks noGrp="1"/>
+          </p:cNvSpPr>
+          <p:nvPr>
+            <p:ph type="sldNum" sz="quarter" idx="10"/>
+          </p:nvPr>
+        </p:nvSpPr>
+        <p:spPr/>
+        <p:txBody>
+          <a:bodyPr/>
+          <a:lstStyle/>
+          <a:p>
+            <a:fld id="{6295C7E2-46FE-4042-8B77-7B8FCCEDDC92}" type="slidenum">
+              <a:rPr lang="es-CO" smtClean="0"/>
+              <a:t>5</a:t>
+            </a:fld>
+            <a:endParaRPr lang="es-CO"/>
+          </a:p>
+        </p:txBody>
+      </p:sp>
+    </p:spTree>
+    <p:extLst>
+      <p:ext uri="{BB962C8B-B14F-4D97-AF65-F5344CB8AC3E}">
+        <p14:creationId xmlns:p14="http://schemas.microsoft.com/office/powerpoint/2010/main" val="1712363687"/>
+      </p:ext>
+    </p:extLst>
+  </p:cSld>
+  <p:clrMapOvr>
+    <a:masterClrMapping/>
+  </p:clrMapOvr>
+</p:notes>
+</file>
+
 <file path=ppt/slideLayouts/slideLayout1.xml><?xml version="1.0" encoding="utf-8"?>
 <p:sldLayout xmlns:a="http://schemas.openxmlformats.org/drawingml/2006/main" xmlns:r="http://schemas.openxmlformats.org/officeDocument/2006/relationships" xmlns:p="http://schemas.openxmlformats.org/presentationml/2006/main" type="title" preserve="1">
   <p:cSld name="Diapositiva de título">
@@ -5598,7 +5870,7 @@
           <p:cNvPr id="7" name="Imagen 6">
             <a:extLst>
               <a:ext uri="{FF2B5EF4-FFF2-40B4-BE49-F238E27FC236}">
-                <a16:creationId xmlns:a16="http://schemas.microsoft.com/office/drawing/2014/main" xmlns="" id="{36B54177-B7DF-1DD9-8875-D4168F53E154}"/>
+                <a16:creationId xmlns="" xmlns:a16="http://schemas.microsoft.com/office/drawing/2014/main" id="{36B54177-B7DF-1DD9-8875-D4168F53E154}"/>
               </a:ext>
             </a:extLst>
           </p:cNvPr>
@@ -5628,7 +5900,7 @@
           <p:cNvPr id="2" name="Título 1">
             <a:extLst>
               <a:ext uri="{FF2B5EF4-FFF2-40B4-BE49-F238E27FC236}">
-                <a16:creationId xmlns:a16="http://schemas.microsoft.com/office/drawing/2014/main" xmlns="" id="{3029E411-989D-8CFA-0371-904E9B56BB90}"/>
+                <a16:creationId xmlns="" xmlns:a16="http://schemas.microsoft.com/office/drawing/2014/main" id="{3029E411-989D-8CFA-0371-904E9B56BB90}"/>
               </a:ext>
             </a:extLst>
           </p:cNvPr>
@@ -5669,7 +5941,7 @@
           <p:cNvPr id="3" name="Subtítulo 2">
             <a:extLst>
               <a:ext uri="{FF2B5EF4-FFF2-40B4-BE49-F238E27FC236}">
-                <a16:creationId xmlns:a16="http://schemas.microsoft.com/office/drawing/2014/main" xmlns="" id="{68801E2D-CF21-2ADE-8396-CC12B5A246AC}"/>
+                <a16:creationId xmlns="" xmlns:a16="http://schemas.microsoft.com/office/drawing/2014/main" id="{68801E2D-CF21-2ADE-8396-CC12B5A246AC}"/>
               </a:ext>
             </a:extLst>
           </p:cNvPr>
@@ -5743,7 +6015,7 @@
           <p:cNvPr id="4" name="Marcador de fecha 3">
             <a:extLst>
               <a:ext uri="{FF2B5EF4-FFF2-40B4-BE49-F238E27FC236}">
-                <a16:creationId xmlns:a16="http://schemas.microsoft.com/office/drawing/2014/main" xmlns="" id="{C7D9C27E-71A0-A8E6-7D94-D52F81CE5F69}"/>
+                <a16:creationId xmlns="" xmlns:a16="http://schemas.microsoft.com/office/drawing/2014/main" id="{C7D9C27E-71A0-A8E6-7D94-D52F81CE5F69}"/>
               </a:ext>
             </a:extLst>
           </p:cNvPr>
@@ -5770,7 +6042,7 @@
             <a:fld id="{4ED1245C-EDA9-0F49-9277-480AED948C75}" type="datetimeFigureOut">
               <a:rPr lang="es-MX" smtClean="0"/>
               <a:pPr/>
-              <a:t>23/06/2023</a:t>
+              <a:t>30/08/2023</a:t>
             </a:fld>
             <a:endParaRPr lang="es-MX"/>
           </a:p>
@@ -5781,7 +6053,7 @@
           <p:cNvPr id="5" name="Marcador de pie de página 4">
             <a:extLst>
               <a:ext uri="{FF2B5EF4-FFF2-40B4-BE49-F238E27FC236}">
-                <a16:creationId xmlns:a16="http://schemas.microsoft.com/office/drawing/2014/main" xmlns="" id="{4C83CED7-3270-999D-99EC-4B2B5F4289C9}"/>
+                <a16:creationId xmlns="" xmlns:a16="http://schemas.microsoft.com/office/drawing/2014/main" id="{4C83CED7-3270-999D-99EC-4B2B5F4289C9}"/>
               </a:ext>
             </a:extLst>
           </p:cNvPr>
@@ -5814,7 +6086,7 @@
           <p:cNvPr id="6" name="Marcador de número de diapositiva 5">
             <a:extLst>
               <a:ext uri="{FF2B5EF4-FFF2-40B4-BE49-F238E27FC236}">
-                <a16:creationId xmlns:a16="http://schemas.microsoft.com/office/drawing/2014/main" xmlns="" id="{0DC7CE21-D4CA-6449-E0EA-746968CC779A}"/>
+                <a16:creationId xmlns="" xmlns:a16="http://schemas.microsoft.com/office/drawing/2014/main" id="{0DC7CE21-D4CA-6449-E0EA-746968CC779A}"/>
               </a:ext>
             </a:extLst>
           </p:cNvPr>
@@ -5882,7 +6154,7 @@
           <p:cNvPr id="2" name="Título 1">
             <a:extLst>
               <a:ext uri="{FF2B5EF4-FFF2-40B4-BE49-F238E27FC236}">
-                <a16:creationId xmlns:a16="http://schemas.microsoft.com/office/drawing/2014/main" xmlns="" id="{C4018A1D-A95A-249C-60D7-BFEC9560650F}"/>
+                <a16:creationId xmlns="" xmlns:a16="http://schemas.microsoft.com/office/drawing/2014/main" id="{C4018A1D-A95A-249C-60D7-BFEC9560650F}"/>
               </a:ext>
             </a:extLst>
           </p:cNvPr>
@@ -5919,7 +6191,7 @@
           <p:cNvPr id="3" name="Marcador de texto 2">
             <a:extLst>
               <a:ext uri="{FF2B5EF4-FFF2-40B4-BE49-F238E27FC236}">
-                <a16:creationId xmlns:a16="http://schemas.microsoft.com/office/drawing/2014/main" xmlns="" id="{7DA112BB-1B55-D3DA-D7D7-35DE1AC52464}"/>
+                <a16:creationId xmlns="" xmlns:a16="http://schemas.microsoft.com/office/drawing/2014/main" id="{7DA112BB-1B55-D3DA-D7D7-35DE1AC52464}"/>
               </a:ext>
             </a:extLst>
           </p:cNvPr>
@@ -6044,7 +6316,7 @@
           <p:cNvPr id="4" name="Marcador de fecha 3">
             <a:extLst>
               <a:ext uri="{FF2B5EF4-FFF2-40B4-BE49-F238E27FC236}">
-                <a16:creationId xmlns:a16="http://schemas.microsoft.com/office/drawing/2014/main" xmlns="" id="{E844E3D2-E945-19C6-68D7-AA7AC54FF7A6}"/>
+                <a16:creationId xmlns="" xmlns:a16="http://schemas.microsoft.com/office/drawing/2014/main" id="{E844E3D2-E945-19C6-68D7-AA7AC54FF7A6}"/>
               </a:ext>
             </a:extLst>
           </p:cNvPr>
@@ -6062,7 +6334,7 @@
           <a:p>
             <a:fld id="{4ED1245C-EDA9-0F49-9277-480AED948C75}" type="datetimeFigureOut">
               <a:rPr lang="es-MX" smtClean="0"/>
-              <a:t>23/06/2023</a:t>
+              <a:t>30/08/2023</a:t>
             </a:fld>
             <a:endParaRPr lang="es-MX"/>
           </a:p>
@@ -6073,7 +6345,7 @@
           <p:cNvPr id="5" name="Marcador de pie de página 4">
             <a:extLst>
               <a:ext uri="{FF2B5EF4-FFF2-40B4-BE49-F238E27FC236}">
-                <a16:creationId xmlns:a16="http://schemas.microsoft.com/office/drawing/2014/main" xmlns="" id="{56FC48AC-4463-729E-ABA1-FB3D3EFA26E7}"/>
+                <a16:creationId xmlns="" xmlns:a16="http://schemas.microsoft.com/office/drawing/2014/main" id="{56FC48AC-4463-729E-ABA1-FB3D3EFA26E7}"/>
               </a:ext>
             </a:extLst>
           </p:cNvPr>
@@ -6098,7 +6370,7 @@
           <p:cNvPr id="6" name="Marcador de número de diapositiva 5">
             <a:extLst>
               <a:ext uri="{FF2B5EF4-FFF2-40B4-BE49-F238E27FC236}">
-                <a16:creationId xmlns:a16="http://schemas.microsoft.com/office/drawing/2014/main" xmlns="" id="{7FB46B77-03B3-EF69-5002-A7FF12752807}"/>
+                <a16:creationId xmlns="" xmlns:a16="http://schemas.microsoft.com/office/drawing/2014/main" id="{7FB46B77-03B3-EF69-5002-A7FF12752807}"/>
               </a:ext>
             </a:extLst>
           </p:cNvPr>
@@ -6157,7 +6429,7 @@
           <p:cNvPr id="8" name="Imagen 7">
             <a:extLst>
               <a:ext uri="{FF2B5EF4-FFF2-40B4-BE49-F238E27FC236}">
-                <a16:creationId xmlns:a16="http://schemas.microsoft.com/office/drawing/2014/main" xmlns="" id="{FDAF5A4A-1B68-98B0-A191-8BD2A6F09150}"/>
+                <a16:creationId xmlns="" xmlns:a16="http://schemas.microsoft.com/office/drawing/2014/main" id="{FDAF5A4A-1B68-98B0-A191-8BD2A6F09150}"/>
               </a:ext>
             </a:extLst>
           </p:cNvPr>
@@ -6198,7 +6470,7 @@
           <a:p>
             <a:fld id="{8B636DD7-9EC0-2343-87F4-811CC24B63A7}" type="datetimeFigureOut">
               <a:rPr lang="es-MX" smtClean="0"/>
-              <a:t>23/06/2023</a:t>
+              <a:t>30/08/2023</a:t>
             </a:fld>
             <a:endParaRPr lang="es-MX"/>
           </a:p>
@@ -6257,7 +6529,7 @@
     <a:masterClrMapping/>
   </p:clrMapOvr>
   <mc:AlternateContent xmlns:mc="http://schemas.openxmlformats.org/markup-compatibility/2006">
-    <mc:Choice xmlns:p159="http://schemas.microsoft.com/office/powerpoint/2015/09/main" xmlns="" Requires="p159">
+    <mc:Choice xmlns="" xmlns:p159="http://schemas.microsoft.com/office/powerpoint/2015/09/main" Requires="p159">
       <p:transition xmlns:p14="http://schemas.microsoft.com/office/powerpoint/2010/main" spd="slow" p14:dur="2000">
         <p159:morph option="byObject"/>
       </p:transition>
@@ -6293,7 +6565,7 @@
           <p:cNvPr id="7" name="Imagen 6">
             <a:extLst>
               <a:ext uri="{FF2B5EF4-FFF2-40B4-BE49-F238E27FC236}">
-                <a16:creationId xmlns:a16="http://schemas.microsoft.com/office/drawing/2014/main" xmlns="" id="{66AD6CAE-8F01-422E-B0BA-3045B167AEAF}"/>
+                <a16:creationId xmlns="" xmlns:a16="http://schemas.microsoft.com/office/drawing/2014/main" id="{66AD6CAE-8F01-422E-B0BA-3045B167AEAF}"/>
               </a:ext>
             </a:extLst>
           </p:cNvPr>
@@ -6428,7 +6700,7 @@
           <a:p>
             <a:fld id="{8B636DD7-9EC0-2343-87F4-811CC24B63A7}" type="datetimeFigureOut">
               <a:rPr lang="es-MX" smtClean="0"/>
-              <a:t>23/06/2023</a:t>
+              <a:t>30/08/2023</a:t>
             </a:fld>
             <a:endParaRPr lang="es-MX"/>
           </a:p>
@@ -6481,7 +6753,7 @@
           <p:cNvPr id="10" name="Imagen 9">
             <a:extLst>
               <a:ext uri="{FF2B5EF4-FFF2-40B4-BE49-F238E27FC236}">
-                <a16:creationId xmlns:a16="http://schemas.microsoft.com/office/drawing/2014/main" xmlns="" id="{11028E90-7017-3801-0152-2A4D9D428AAF}"/>
+                <a16:creationId xmlns="" xmlns:a16="http://schemas.microsoft.com/office/drawing/2014/main" id="{11028E90-7017-3801-0152-2A4D9D428AAF}"/>
               </a:ext>
             </a:extLst>
           </p:cNvPr>
@@ -6516,7 +6788,7 @@
     <a:masterClrMapping/>
   </p:clrMapOvr>
   <mc:AlternateContent xmlns:mc="http://schemas.openxmlformats.org/markup-compatibility/2006">
-    <mc:Choice xmlns:p159="http://schemas.microsoft.com/office/powerpoint/2015/09/main" xmlns="" Requires="p159">
+    <mc:Choice xmlns="" xmlns:p159="http://schemas.microsoft.com/office/powerpoint/2015/09/main" Requires="p159">
       <p:transition xmlns:p14="http://schemas.microsoft.com/office/powerpoint/2010/main" spd="slow" p14:dur="2000">
         <p159:morph option="byObject"/>
       </p:transition>
@@ -6564,7 +6836,7 @@
           <a:p>
             <a:fld id="{8B636DD7-9EC0-2343-87F4-811CC24B63A7}" type="datetimeFigureOut">
               <a:rPr lang="es-MX" smtClean="0"/>
-              <a:t>23/06/2023</a:t>
+              <a:t>30/08/2023</a:t>
             </a:fld>
             <a:endParaRPr lang="es-MX"/>
           </a:p>
@@ -6617,7 +6889,7 @@
           <p:cNvPr id="10" name="Imagen 9">
             <a:extLst>
               <a:ext uri="{FF2B5EF4-FFF2-40B4-BE49-F238E27FC236}">
-                <a16:creationId xmlns:a16="http://schemas.microsoft.com/office/drawing/2014/main" xmlns="" id="{B4AC21E6-3AB4-AA3E-EED5-BEA73B4160C8}"/>
+                <a16:creationId xmlns="" xmlns:a16="http://schemas.microsoft.com/office/drawing/2014/main" id="{B4AC21E6-3AB4-AA3E-EED5-BEA73B4160C8}"/>
               </a:ext>
             </a:extLst>
           </p:cNvPr>
@@ -6646,7 +6918,7 @@
           <p:cNvPr id="5" name="Título 1">
             <a:extLst>
               <a:ext uri="{FF2B5EF4-FFF2-40B4-BE49-F238E27FC236}">
-                <a16:creationId xmlns:a16="http://schemas.microsoft.com/office/drawing/2014/main" xmlns="" id="{74D66EB4-E928-04A5-17AC-B4C4FAF01B68}"/>
+                <a16:creationId xmlns="" xmlns:a16="http://schemas.microsoft.com/office/drawing/2014/main" id="{74D66EB4-E928-04A5-17AC-B4C4FAF01B68}"/>
               </a:ext>
             </a:extLst>
           </p:cNvPr>
@@ -6689,7 +6961,7 @@
     <a:masterClrMapping/>
   </p:clrMapOvr>
   <mc:AlternateContent xmlns:mc="http://schemas.openxmlformats.org/markup-compatibility/2006">
-    <mc:Choice xmlns:p159="http://schemas.microsoft.com/office/powerpoint/2015/09/main" xmlns="" Requires="p159">
+    <mc:Choice xmlns="" xmlns:p159="http://schemas.microsoft.com/office/powerpoint/2015/09/main" Requires="p159">
       <p:transition xmlns:p14="http://schemas.microsoft.com/office/powerpoint/2010/main" spd="slow" p14:dur="2000">
         <p159:morph option="byObject"/>
       </p:transition>
@@ -6737,7 +7009,7 @@
           <a:p>
             <a:fld id="{8B636DD7-9EC0-2343-87F4-811CC24B63A7}" type="datetimeFigureOut">
               <a:rPr lang="es-MX" smtClean="0"/>
-              <a:t>23/06/2023</a:t>
+              <a:t>30/08/2023</a:t>
             </a:fld>
             <a:endParaRPr lang="es-MX"/>
           </a:p>
@@ -6790,7 +7062,7 @@
           <p:cNvPr id="5" name="Imagen 4">
             <a:extLst>
               <a:ext uri="{FF2B5EF4-FFF2-40B4-BE49-F238E27FC236}">
-                <a16:creationId xmlns:a16="http://schemas.microsoft.com/office/drawing/2014/main" xmlns="" id="{CFD1EF8D-21B9-3C6D-CAEB-887F2C4B10FA}"/>
+                <a16:creationId xmlns="" xmlns:a16="http://schemas.microsoft.com/office/drawing/2014/main" id="{CFD1EF8D-21B9-3C6D-CAEB-887F2C4B10FA}"/>
               </a:ext>
             </a:extLst>
           </p:cNvPr>
@@ -6819,7 +7091,7 @@
           <p:cNvPr id="6" name="Título 1">
             <a:extLst>
               <a:ext uri="{FF2B5EF4-FFF2-40B4-BE49-F238E27FC236}">
-                <a16:creationId xmlns:a16="http://schemas.microsoft.com/office/drawing/2014/main" xmlns="" id="{BDA5DC36-6B14-E774-2FD3-FD49BCF6F742}"/>
+                <a16:creationId xmlns="" xmlns:a16="http://schemas.microsoft.com/office/drawing/2014/main" id="{BDA5DC36-6B14-E774-2FD3-FD49BCF6F742}"/>
               </a:ext>
             </a:extLst>
           </p:cNvPr>
@@ -6866,7 +7138,7 @@
     <a:masterClrMapping/>
   </p:clrMapOvr>
   <mc:AlternateContent xmlns:mc="http://schemas.openxmlformats.org/markup-compatibility/2006">
-    <mc:Choice xmlns:p159="http://schemas.microsoft.com/office/powerpoint/2015/09/main" xmlns="" Requires="p159">
+    <mc:Choice xmlns="" xmlns:p159="http://schemas.microsoft.com/office/powerpoint/2015/09/main" Requires="p159">
       <p:transition xmlns:p14="http://schemas.microsoft.com/office/powerpoint/2010/main" spd="slow" p14:dur="2000">
         <p159:morph option="byObject"/>
       </p:transition>
@@ -6902,7 +7174,7 @@
           <p:cNvPr id="7" name="Imagen 6">
             <a:extLst>
               <a:ext uri="{FF2B5EF4-FFF2-40B4-BE49-F238E27FC236}">
-                <a16:creationId xmlns:a16="http://schemas.microsoft.com/office/drawing/2014/main" xmlns="" id="{7E36882C-E608-66B8-8A42-26DD6B67138C}"/>
+                <a16:creationId xmlns="" xmlns:a16="http://schemas.microsoft.com/office/drawing/2014/main" id="{7E36882C-E608-66B8-8A42-26DD6B67138C}"/>
               </a:ext>
             </a:extLst>
           </p:cNvPr>
@@ -6932,7 +7204,7 @@
           <p:cNvPr id="2" name="Título 1">
             <a:extLst>
               <a:ext uri="{FF2B5EF4-FFF2-40B4-BE49-F238E27FC236}">
-                <a16:creationId xmlns:a16="http://schemas.microsoft.com/office/drawing/2014/main" xmlns="" id="{A319E2F3-3E92-F0B7-289B-ECE5123D9814}"/>
+                <a16:creationId xmlns="" xmlns:a16="http://schemas.microsoft.com/office/drawing/2014/main" id="{A319E2F3-3E92-F0B7-289B-ECE5123D9814}"/>
               </a:ext>
             </a:extLst>
           </p:cNvPr>
@@ -6968,7 +7240,7 @@
           <p:cNvPr id="3" name="Marcador de contenido 2">
             <a:extLst>
               <a:ext uri="{FF2B5EF4-FFF2-40B4-BE49-F238E27FC236}">
-                <a16:creationId xmlns:a16="http://schemas.microsoft.com/office/drawing/2014/main" xmlns="" id="{917E9B9D-3312-7614-E939-8BBA89447845}"/>
+                <a16:creationId xmlns="" xmlns:a16="http://schemas.microsoft.com/office/drawing/2014/main" id="{917E9B9D-3312-7614-E939-8BBA89447845}"/>
               </a:ext>
             </a:extLst>
           </p:cNvPr>
@@ -7025,7 +7297,7 @@
           <p:cNvPr id="4" name="Marcador de fecha 3">
             <a:extLst>
               <a:ext uri="{FF2B5EF4-FFF2-40B4-BE49-F238E27FC236}">
-                <a16:creationId xmlns:a16="http://schemas.microsoft.com/office/drawing/2014/main" xmlns="" id="{9561BD46-81DF-C525-880C-B60F549977C9}"/>
+                <a16:creationId xmlns="" xmlns:a16="http://schemas.microsoft.com/office/drawing/2014/main" id="{9561BD46-81DF-C525-880C-B60F549977C9}"/>
               </a:ext>
             </a:extLst>
           </p:cNvPr>
@@ -7043,7 +7315,7 @@
           <a:p>
             <a:fld id="{4ED1245C-EDA9-0F49-9277-480AED948C75}" type="datetimeFigureOut">
               <a:rPr lang="es-MX" smtClean="0"/>
-              <a:t>23/06/2023</a:t>
+              <a:t>30/08/2023</a:t>
             </a:fld>
             <a:endParaRPr lang="es-MX"/>
           </a:p>
@@ -7054,7 +7326,7 @@
           <p:cNvPr id="5" name="Marcador de pie de página 4">
             <a:extLst>
               <a:ext uri="{FF2B5EF4-FFF2-40B4-BE49-F238E27FC236}">
-                <a16:creationId xmlns:a16="http://schemas.microsoft.com/office/drawing/2014/main" xmlns="" id="{B48141E5-38F4-5870-C465-013B716EE584}"/>
+                <a16:creationId xmlns="" xmlns:a16="http://schemas.microsoft.com/office/drawing/2014/main" id="{B48141E5-38F4-5870-C465-013B716EE584}"/>
               </a:ext>
             </a:extLst>
           </p:cNvPr>
@@ -7079,7 +7351,7 @@
           <p:cNvPr id="6" name="Marcador de número de diapositiva 5">
             <a:extLst>
               <a:ext uri="{FF2B5EF4-FFF2-40B4-BE49-F238E27FC236}">
-                <a16:creationId xmlns:a16="http://schemas.microsoft.com/office/drawing/2014/main" xmlns="" id="{6D3EFEE5-200A-753E-B6FD-9311CB9BAAFF}"/>
+                <a16:creationId xmlns="" xmlns:a16="http://schemas.microsoft.com/office/drawing/2014/main" id="{6D3EFEE5-200A-753E-B6FD-9311CB9BAAFF}"/>
               </a:ext>
             </a:extLst>
           </p:cNvPr>
@@ -7138,7 +7410,7 @@
           <p:cNvPr id="6" name="Imagen 5">
             <a:extLst>
               <a:ext uri="{FF2B5EF4-FFF2-40B4-BE49-F238E27FC236}">
-                <a16:creationId xmlns:a16="http://schemas.microsoft.com/office/drawing/2014/main" xmlns="" id="{85B76E4B-994E-FE80-0264-CD7AEB4265E3}"/>
+                <a16:creationId xmlns="" xmlns:a16="http://schemas.microsoft.com/office/drawing/2014/main" id="{85B76E4B-994E-FE80-0264-CD7AEB4265E3}"/>
               </a:ext>
             </a:extLst>
           </p:cNvPr>
@@ -7168,7 +7440,7 @@
           <p:cNvPr id="2" name="Título 1">
             <a:extLst>
               <a:ext uri="{FF2B5EF4-FFF2-40B4-BE49-F238E27FC236}">
-                <a16:creationId xmlns:a16="http://schemas.microsoft.com/office/drawing/2014/main" xmlns="" id="{F58AE75E-BF38-0C63-F39F-95D19FDCC331}"/>
+                <a16:creationId xmlns="" xmlns:a16="http://schemas.microsoft.com/office/drawing/2014/main" id="{F58AE75E-BF38-0C63-F39F-95D19FDCC331}"/>
               </a:ext>
             </a:extLst>
           </p:cNvPr>
@@ -7200,7 +7472,7 @@
           <p:cNvPr id="3" name="Marcador de fecha 2">
             <a:extLst>
               <a:ext uri="{FF2B5EF4-FFF2-40B4-BE49-F238E27FC236}">
-                <a16:creationId xmlns:a16="http://schemas.microsoft.com/office/drawing/2014/main" xmlns="" id="{C0849DC6-910E-1212-87E9-5D91EDF04321}"/>
+                <a16:creationId xmlns="" xmlns:a16="http://schemas.microsoft.com/office/drawing/2014/main" id="{C0849DC6-910E-1212-87E9-5D91EDF04321}"/>
               </a:ext>
             </a:extLst>
           </p:cNvPr>
@@ -7218,7 +7490,7 @@
           <a:p>
             <a:fld id="{4ED1245C-EDA9-0F49-9277-480AED948C75}" type="datetimeFigureOut">
               <a:rPr lang="es-MX" smtClean="0"/>
-              <a:t>23/06/2023</a:t>
+              <a:t>30/08/2023</a:t>
             </a:fld>
             <a:endParaRPr lang="es-MX"/>
           </a:p>
@@ -7229,7 +7501,7 @@
           <p:cNvPr id="4" name="Marcador de pie de página 3">
             <a:extLst>
               <a:ext uri="{FF2B5EF4-FFF2-40B4-BE49-F238E27FC236}">
-                <a16:creationId xmlns:a16="http://schemas.microsoft.com/office/drawing/2014/main" xmlns="" id="{6AC465A2-B629-9EFC-663F-3F807AD61A95}"/>
+                <a16:creationId xmlns="" xmlns:a16="http://schemas.microsoft.com/office/drawing/2014/main" id="{6AC465A2-B629-9EFC-663F-3F807AD61A95}"/>
               </a:ext>
             </a:extLst>
           </p:cNvPr>
@@ -7254,7 +7526,7 @@
           <p:cNvPr id="5" name="Marcador de número de diapositiva 4">
             <a:extLst>
               <a:ext uri="{FF2B5EF4-FFF2-40B4-BE49-F238E27FC236}">
-                <a16:creationId xmlns:a16="http://schemas.microsoft.com/office/drawing/2014/main" xmlns="" id="{7149893F-AB4A-EA91-D670-6E8677716A99}"/>
+                <a16:creationId xmlns="" xmlns:a16="http://schemas.microsoft.com/office/drawing/2014/main" id="{7149893F-AB4A-EA91-D670-6E8677716A99}"/>
               </a:ext>
             </a:extLst>
           </p:cNvPr>
@@ -7313,7 +7585,7 @@
           <p:cNvPr id="2" name="Marcador de fecha 1">
             <a:extLst>
               <a:ext uri="{FF2B5EF4-FFF2-40B4-BE49-F238E27FC236}">
-                <a16:creationId xmlns:a16="http://schemas.microsoft.com/office/drawing/2014/main" xmlns="" id="{3D8DCD30-7661-12EB-6BF3-7D6889A8D7E7}"/>
+                <a16:creationId xmlns="" xmlns:a16="http://schemas.microsoft.com/office/drawing/2014/main" id="{3D8DCD30-7661-12EB-6BF3-7D6889A8D7E7}"/>
               </a:ext>
             </a:extLst>
           </p:cNvPr>
@@ -7331,7 +7603,7 @@
           <a:p>
             <a:fld id="{4ED1245C-EDA9-0F49-9277-480AED948C75}" type="datetimeFigureOut">
               <a:rPr lang="es-MX" smtClean="0"/>
-              <a:t>23/06/2023</a:t>
+              <a:t>30/08/2023</a:t>
             </a:fld>
             <a:endParaRPr lang="es-MX"/>
           </a:p>
@@ -7342,7 +7614,7 @@
           <p:cNvPr id="3" name="Marcador de pie de página 2">
             <a:extLst>
               <a:ext uri="{FF2B5EF4-FFF2-40B4-BE49-F238E27FC236}">
-                <a16:creationId xmlns:a16="http://schemas.microsoft.com/office/drawing/2014/main" xmlns="" id="{BCE383F0-BCD5-365A-30DE-4A37BDDD44D8}"/>
+                <a16:creationId xmlns="" xmlns:a16="http://schemas.microsoft.com/office/drawing/2014/main" id="{BCE383F0-BCD5-365A-30DE-4A37BDDD44D8}"/>
               </a:ext>
             </a:extLst>
           </p:cNvPr>
@@ -7367,7 +7639,7 @@
           <p:cNvPr id="4" name="Marcador de número de diapositiva 3">
             <a:extLst>
               <a:ext uri="{FF2B5EF4-FFF2-40B4-BE49-F238E27FC236}">
-                <a16:creationId xmlns:a16="http://schemas.microsoft.com/office/drawing/2014/main" xmlns="" id="{3062DF9B-A73E-907D-5239-FDDD3489CEF2}"/>
+                <a16:creationId xmlns="" xmlns:a16="http://schemas.microsoft.com/office/drawing/2014/main" id="{3062DF9B-A73E-907D-5239-FDDD3489CEF2}"/>
               </a:ext>
             </a:extLst>
           </p:cNvPr>
@@ -7431,7 +7703,7 @@
           <p:cNvPr id="2" name="Marcador de título 1">
             <a:extLst>
               <a:ext uri="{FF2B5EF4-FFF2-40B4-BE49-F238E27FC236}">
-                <a16:creationId xmlns:a16="http://schemas.microsoft.com/office/drawing/2014/main" xmlns="" id="{33F02CBE-7D56-9524-5799-3D4C40AEE1EF}"/>
+                <a16:creationId xmlns="" xmlns:a16="http://schemas.microsoft.com/office/drawing/2014/main" id="{33F02CBE-7D56-9524-5799-3D4C40AEE1EF}"/>
               </a:ext>
             </a:extLst>
           </p:cNvPr>
@@ -7469,7 +7741,7 @@
           <p:cNvPr id="3" name="Marcador de texto 2">
             <a:extLst>
               <a:ext uri="{FF2B5EF4-FFF2-40B4-BE49-F238E27FC236}">
-                <a16:creationId xmlns:a16="http://schemas.microsoft.com/office/drawing/2014/main" xmlns="" id="{A9053B17-0988-26D7-1416-D61D74DBE858}"/>
+                <a16:creationId xmlns="" xmlns:a16="http://schemas.microsoft.com/office/drawing/2014/main" id="{A9053B17-0988-26D7-1416-D61D74DBE858}"/>
               </a:ext>
             </a:extLst>
           </p:cNvPr>
@@ -7536,7 +7808,7 @@
           <p:cNvPr id="4" name="Marcador de fecha 3">
             <a:extLst>
               <a:ext uri="{FF2B5EF4-FFF2-40B4-BE49-F238E27FC236}">
-                <a16:creationId xmlns:a16="http://schemas.microsoft.com/office/drawing/2014/main" xmlns="" id="{3CFF87E4-E3EB-6979-BA49-637760E7BBC3}"/>
+                <a16:creationId xmlns="" xmlns:a16="http://schemas.microsoft.com/office/drawing/2014/main" id="{3CFF87E4-E3EB-6979-BA49-637760E7BBC3}"/>
               </a:ext>
             </a:extLst>
           </p:cNvPr>
@@ -7576,7 +7848,7 @@
             <a:fld id="{4ED1245C-EDA9-0F49-9277-480AED948C75}" type="datetimeFigureOut">
               <a:rPr lang="es-MX" smtClean="0"/>
               <a:pPr/>
-              <a:t>23/06/2023</a:t>
+              <a:t>30/08/2023</a:t>
             </a:fld>
             <a:endParaRPr lang="es-MX"/>
           </a:p>
@@ -7587,7 +7859,7 @@
           <p:cNvPr id="5" name="Marcador de pie de página 4">
             <a:extLst>
               <a:ext uri="{FF2B5EF4-FFF2-40B4-BE49-F238E27FC236}">
-                <a16:creationId xmlns:a16="http://schemas.microsoft.com/office/drawing/2014/main" xmlns="" id="{6143CCC9-3353-516C-3DED-6C05973EB5B8}"/>
+                <a16:creationId xmlns="" xmlns:a16="http://schemas.microsoft.com/office/drawing/2014/main" id="{6143CCC9-3353-516C-3DED-6C05973EB5B8}"/>
               </a:ext>
             </a:extLst>
           </p:cNvPr>
@@ -7633,7 +7905,7 @@
           <p:cNvPr id="6" name="Marcador de número de diapositiva 5">
             <a:extLst>
               <a:ext uri="{FF2B5EF4-FFF2-40B4-BE49-F238E27FC236}">
-                <a16:creationId xmlns:a16="http://schemas.microsoft.com/office/drawing/2014/main" xmlns="" id="{751E5BC1-66C6-23A3-45FC-6B13BC2B4A2D}"/>
+                <a16:creationId xmlns="" xmlns:a16="http://schemas.microsoft.com/office/drawing/2014/main" id="{751E5BC1-66C6-23A3-45FC-6B13BC2B4A2D}"/>
               </a:ext>
             </a:extLst>
           </p:cNvPr>
@@ -8003,7 +8275,7 @@
           <p:cNvPr id="3" name="Imagen 2">
             <a:extLst>
               <a:ext uri="{FF2B5EF4-FFF2-40B4-BE49-F238E27FC236}">
-                <a16:creationId xmlns:a16="http://schemas.microsoft.com/office/drawing/2014/main" xmlns="" id="{B7DCC1AE-CBB9-4F76-A8E3-CF73CD4FFFAE}"/>
+                <a16:creationId xmlns="" xmlns:a16="http://schemas.microsoft.com/office/drawing/2014/main" id="{B7DCC1AE-CBB9-4F76-A8E3-CF73CD4FFFAE}"/>
               </a:ext>
             </a:extLst>
           </p:cNvPr>
@@ -8032,7 +8304,7 @@
           <p:cNvPr id="15" name="Rectángulo 14">
             <a:extLst>
               <a:ext uri="{FF2B5EF4-FFF2-40B4-BE49-F238E27FC236}">
-                <a16:creationId xmlns:a16="http://schemas.microsoft.com/office/drawing/2014/main" xmlns="" id="{B0381972-7714-18E2-8087-DC6EBF8C2989}"/>
+                <a16:creationId xmlns="" xmlns:a16="http://schemas.microsoft.com/office/drawing/2014/main" id="{B0381972-7714-18E2-8087-DC6EBF8C2989}"/>
               </a:ext>
             </a:extLst>
           </p:cNvPr>
@@ -8151,7 +8423,7 @@
           <p:cNvPr id="2" name="Imagen 2" descr="Imagen que contiene Diagrama&#10;&#10;Descripción generada automáticamente">
             <a:extLst>
               <a:ext uri="{FF2B5EF4-FFF2-40B4-BE49-F238E27FC236}">
-                <a16:creationId xmlns="" xmlns:a16="http://schemas.microsoft.com/office/drawing/2014/main" id="{696459E0-D8D0-D6F6-8A7F-9D2CBDFB03E0}"/>
+                <a16:creationId xmlns:a16="http://schemas.microsoft.com/office/drawing/2014/main" xmlns="" id="{696459E0-D8D0-D6F6-8A7F-9D2CBDFB03E0}"/>
               </a:ext>
             </a:extLst>
           </p:cNvPr>
@@ -8181,7 +8453,7 @@
           <p:cNvPr id="4" name="Elipse 3">
             <a:extLst>
               <a:ext uri="{FF2B5EF4-FFF2-40B4-BE49-F238E27FC236}">
-                <a16:creationId xmlns="" xmlns:a16="http://schemas.microsoft.com/office/drawing/2014/main" id="{B84211B6-DA0E-E9B6-6FBD-CC9293F02FA5}"/>
+                <a16:creationId xmlns:a16="http://schemas.microsoft.com/office/drawing/2014/main" xmlns="" id="{B84211B6-DA0E-E9B6-6FBD-CC9293F02FA5}"/>
               </a:ext>
             </a:extLst>
           </p:cNvPr>
@@ -8336,7 +8608,7 @@
           <p:cNvPr id="6" name="Elipse 5">
             <a:extLst>
               <a:ext uri="{FF2B5EF4-FFF2-40B4-BE49-F238E27FC236}">
-                <a16:creationId xmlns="" xmlns:a16="http://schemas.microsoft.com/office/drawing/2014/main" id="{5738F0B5-FC72-3533-A7DC-331A31E26CDF}"/>
+                <a16:creationId xmlns:a16="http://schemas.microsoft.com/office/drawing/2014/main" xmlns="" id="{5738F0B5-FC72-3533-A7DC-331A31E26CDF}"/>
               </a:ext>
             </a:extLst>
           </p:cNvPr>
@@ -8490,7 +8762,7 @@
           <p:cNvPr id="7" name="Elipse 6">
             <a:extLst>
               <a:ext uri="{FF2B5EF4-FFF2-40B4-BE49-F238E27FC236}">
-                <a16:creationId xmlns="" xmlns:a16="http://schemas.microsoft.com/office/drawing/2014/main" id="{2DAA3DE2-FECF-9F33-C6D6-2D95F9053649}"/>
+                <a16:creationId xmlns:a16="http://schemas.microsoft.com/office/drawing/2014/main" xmlns="" id="{2DAA3DE2-FECF-9F33-C6D6-2D95F9053649}"/>
               </a:ext>
             </a:extLst>
           </p:cNvPr>
@@ -8645,7 +8917,7 @@
           <p:cNvPr id="8" name="Elipse 7">
             <a:extLst>
               <a:ext uri="{FF2B5EF4-FFF2-40B4-BE49-F238E27FC236}">
-                <a16:creationId xmlns="" xmlns:a16="http://schemas.microsoft.com/office/drawing/2014/main" id="{43004477-0A81-BACD-EA69-932752ECFFB0}"/>
+                <a16:creationId xmlns:a16="http://schemas.microsoft.com/office/drawing/2014/main" xmlns="" id="{43004477-0A81-BACD-EA69-932752ECFFB0}"/>
               </a:ext>
             </a:extLst>
           </p:cNvPr>
@@ -8799,7 +9071,7 @@
           <p:cNvPr id="3" name="Título 1">
             <a:extLst>
               <a:ext uri="{FF2B5EF4-FFF2-40B4-BE49-F238E27FC236}">
-                <a16:creationId xmlns="" xmlns:a16="http://schemas.microsoft.com/office/drawing/2014/main" id="{51A5CEAA-5F9B-743F-C392-E79011DB2461}"/>
+                <a16:creationId xmlns:a16="http://schemas.microsoft.com/office/drawing/2014/main" xmlns="" id="{51A5CEAA-5F9B-743F-C392-E79011DB2461}"/>
               </a:ext>
             </a:extLst>
           </p:cNvPr>
@@ -8890,7 +9162,7 @@
           <p:cNvPr id="9" name="Grupo 8">
             <a:extLst>
               <a:ext uri="{FF2B5EF4-FFF2-40B4-BE49-F238E27FC236}">
-                <a16:creationId xmlns="" xmlns:a16="http://schemas.microsoft.com/office/drawing/2014/main" id="{FFD9AA8D-A31A-503D-D40B-062449F91BFD}"/>
+                <a16:creationId xmlns:a16="http://schemas.microsoft.com/office/drawing/2014/main" xmlns="" id="{FFD9AA8D-A31A-503D-D40B-062449F91BFD}"/>
               </a:ext>
             </a:extLst>
           </p:cNvPr>
@@ -8910,7 +9182,7 @@
             <p:cNvPr id="10" name="Título 1">
               <a:extLst>
                 <a:ext uri="{FF2B5EF4-FFF2-40B4-BE49-F238E27FC236}">
-                  <a16:creationId xmlns="" xmlns:a16="http://schemas.microsoft.com/office/drawing/2014/main" id="{92F71D79-1F37-5ED6-F072-3682880878F5}"/>
+                  <a16:creationId xmlns:a16="http://schemas.microsoft.com/office/drawing/2014/main" xmlns="" id="{92F71D79-1F37-5ED6-F072-3682880878F5}"/>
                 </a:ext>
               </a:extLst>
             </p:cNvPr>
@@ -8988,7 +9260,7 @@
             <p:cNvPr id="11" name="Conector recto 10">
               <a:extLst>
                 <a:ext uri="{FF2B5EF4-FFF2-40B4-BE49-F238E27FC236}">
-                  <a16:creationId xmlns="" xmlns:a16="http://schemas.microsoft.com/office/drawing/2014/main" id="{A0024262-7345-9A5C-3A37-972185644E50}"/>
+                  <a16:creationId xmlns:a16="http://schemas.microsoft.com/office/drawing/2014/main" xmlns="" id="{A0024262-7345-9A5C-3A37-972185644E50}"/>
                 </a:ext>
               </a:extLst>
             </p:cNvPr>
@@ -9072,7 +9344,7 @@
           <p:cNvPr id="16" name="Título 1">
             <a:extLst>
               <a:ext uri="{FF2B5EF4-FFF2-40B4-BE49-F238E27FC236}">
-                <a16:creationId xmlns="" xmlns:a16="http://schemas.microsoft.com/office/drawing/2014/main" id="{D5FD1066-7FA1-9BF9-22F0-F52B6DDCD8D0}"/>
+                <a16:creationId xmlns:a16="http://schemas.microsoft.com/office/drawing/2014/main" xmlns="" id="{D5FD1066-7FA1-9BF9-22F0-F52B6DDCD8D0}"/>
               </a:ext>
             </a:extLst>
           </p:cNvPr>
@@ -9123,7 +9395,7 @@
           <p:cNvPr id="24" name="Rectángulo redondeado 30">
             <a:extLst>
               <a:ext uri="{FF2B5EF4-FFF2-40B4-BE49-F238E27FC236}">
-                <a16:creationId xmlns="" xmlns:a16="http://schemas.microsoft.com/office/drawing/2014/main" id="{80BB5CA9-6BAF-7E14-AA22-D2BAD29E8C87}"/>
+                <a16:creationId xmlns:a16="http://schemas.microsoft.com/office/drawing/2014/main" xmlns="" id="{80BB5CA9-6BAF-7E14-AA22-D2BAD29E8C87}"/>
               </a:ext>
             </a:extLst>
           </p:cNvPr>
@@ -9185,7 +9457,7 @@
           <p:cNvPr id="25" name="Subtítulo 2">
             <a:extLst>
               <a:ext uri="{FF2B5EF4-FFF2-40B4-BE49-F238E27FC236}">
-                <a16:creationId xmlns="" xmlns:a16="http://schemas.microsoft.com/office/drawing/2014/main" id="{2823FBAE-8D0D-34B3-24D4-48BB96A3622B}"/>
+                <a16:creationId xmlns:a16="http://schemas.microsoft.com/office/drawing/2014/main" xmlns="" id="{2823FBAE-8D0D-34B3-24D4-48BB96A3622B}"/>
               </a:ext>
             </a:extLst>
           </p:cNvPr>
@@ -9402,7 +9674,7 @@
           <p:cNvPr id="26" name="Rectángulo redondeado 30">
             <a:extLst>
               <a:ext uri="{FF2B5EF4-FFF2-40B4-BE49-F238E27FC236}">
-                <a16:creationId xmlns="" xmlns:a16="http://schemas.microsoft.com/office/drawing/2014/main" id="{80BB5CA9-6BAF-7E14-AA22-D2BAD29E8C87}"/>
+                <a16:creationId xmlns:a16="http://schemas.microsoft.com/office/drawing/2014/main" xmlns="" id="{80BB5CA9-6BAF-7E14-AA22-D2BAD29E8C87}"/>
               </a:ext>
             </a:extLst>
           </p:cNvPr>
@@ -9464,7 +9736,7 @@
           <p:cNvPr id="27" name="Subtítulo 2">
             <a:extLst>
               <a:ext uri="{FF2B5EF4-FFF2-40B4-BE49-F238E27FC236}">
-                <a16:creationId xmlns="" xmlns:a16="http://schemas.microsoft.com/office/drawing/2014/main" id="{2823FBAE-8D0D-34B3-24D4-48BB96A3622B}"/>
+                <a16:creationId xmlns:a16="http://schemas.microsoft.com/office/drawing/2014/main" xmlns="" id="{2823FBAE-8D0D-34B3-24D4-48BB96A3622B}"/>
               </a:ext>
             </a:extLst>
           </p:cNvPr>
@@ -9695,7 +9967,7 @@
           </a:ln>
           <a:extLst>
             <a:ext uri="{C572A759-6A51-4108-AA02-DFA0A04FC94B}">
-              <ma14:wrappingTextBoxFlag xmlns:ma14="http://schemas.microsoft.com/office/mac/drawingml/2011/main" xmlns:a14="http://schemas.microsoft.com/office/drawing/2010/main" xmlns:m="http://schemas.openxmlformats.org/officeDocument/2006/math" xmlns="" val="1"/>
+              <ma14:wrappingTextBoxFlag xmlns="" xmlns:m="http://schemas.openxmlformats.org/officeDocument/2006/math" xmlns:a14="http://schemas.microsoft.com/office/drawing/2010/main" xmlns:ma14="http://schemas.microsoft.com/office/mac/drawingml/2011/main" val="1"/>
             </a:ext>
           </a:extLst>
         </p:spPr>
@@ -9777,7 +10049,7 @@
           </a:ln>
           <a:extLst>
             <a:ext uri="{C572A759-6A51-4108-AA02-DFA0A04FC94B}">
-              <ma14:wrappingTextBoxFlag xmlns:ma14="http://schemas.microsoft.com/office/mac/drawingml/2011/main" xmlns:a14="http://schemas.microsoft.com/office/drawing/2010/main" xmlns:m="http://schemas.openxmlformats.org/officeDocument/2006/math" xmlns="" val="1"/>
+              <ma14:wrappingTextBoxFlag xmlns="" xmlns:m="http://schemas.openxmlformats.org/officeDocument/2006/math" xmlns:a14="http://schemas.microsoft.com/office/drawing/2010/main" xmlns:ma14="http://schemas.microsoft.com/office/mac/drawingml/2011/main" val="1"/>
             </a:ext>
           </a:extLst>
         </p:spPr>
@@ -9901,7 +10173,7 @@
           <p:cNvPr id="29" name="Rectángulo redondeado 30">
             <a:extLst>
               <a:ext uri="{FF2B5EF4-FFF2-40B4-BE49-F238E27FC236}">
-                <a16:creationId xmlns="" xmlns:a16="http://schemas.microsoft.com/office/drawing/2014/main" id="{80BB5CA9-6BAF-7E14-AA22-D2BAD29E8C87}"/>
+                <a16:creationId xmlns:a16="http://schemas.microsoft.com/office/drawing/2014/main" xmlns="" id="{80BB5CA9-6BAF-7E14-AA22-D2BAD29E8C87}"/>
               </a:ext>
             </a:extLst>
           </p:cNvPr>
@@ -9963,7 +10235,7 @@
           <p:cNvPr id="31" name="Subtítulo 2">
             <a:extLst>
               <a:ext uri="{FF2B5EF4-FFF2-40B4-BE49-F238E27FC236}">
-                <a16:creationId xmlns="" xmlns:a16="http://schemas.microsoft.com/office/drawing/2014/main" id="{2823FBAE-8D0D-34B3-24D4-48BB96A3622B}"/>
+                <a16:creationId xmlns:a16="http://schemas.microsoft.com/office/drawing/2014/main" xmlns="" id="{2823FBAE-8D0D-34B3-24D4-48BB96A3622B}"/>
               </a:ext>
             </a:extLst>
           </p:cNvPr>
@@ -10194,7 +10466,7 @@
           </a:ln>
           <a:extLst>
             <a:ext uri="{C572A759-6A51-4108-AA02-DFA0A04FC94B}">
-              <ma14:wrappingTextBoxFlag xmlns:ma14="http://schemas.microsoft.com/office/mac/drawingml/2011/main" xmlns:a14="http://schemas.microsoft.com/office/drawing/2010/main" xmlns:m="http://schemas.openxmlformats.org/officeDocument/2006/math" xmlns="" val="1"/>
+              <ma14:wrappingTextBoxFlag xmlns="" xmlns:m="http://schemas.openxmlformats.org/officeDocument/2006/math" xmlns:a14="http://schemas.microsoft.com/office/drawing/2010/main" xmlns:ma14="http://schemas.microsoft.com/office/mac/drawingml/2011/main" val="1"/>
             </a:ext>
           </a:extLst>
         </p:spPr>
@@ -10363,7 +10635,7 @@
     <a:masterClrMapping/>
   </p:clrMapOvr>
   <mc:AlternateContent xmlns:mc="http://schemas.openxmlformats.org/markup-compatibility/2006">
-    <mc:Choice xmlns="" xmlns:p159="http://schemas.microsoft.com/office/powerpoint/2015/09/main" Requires="p159">
+    <mc:Choice xmlns:p159="http://schemas.microsoft.com/office/powerpoint/2015/09/main" xmlns="" Requires="p159">
       <p:transition xmlns:p14="http://schemas.microsoft.com/office/powerpoint/2010/main" spd="slow" p14:dur="2000">
         <p159:morph option="byObject"/>
       </p:transition>
@@ -10377,169 +10649,9 @@
   <p:timing>
     <p:tnLst>
       <p:par>
-        <p:cTn id="1" dur="indefinite" restart="never" nodeType="tmRoot">
-          <p:childTnLst>
-            <p:seq concurrent="1" nextAc="seek">
-              <p:cTn id="2" dur="indefinite" nodeType="mainSeq">
-                <p:childTnLst>
-                  <p:par>
-                    <p:cTn id="3" fill="hold">
-                      <p:stCondLst>
-                        <p:cond delay="indefinite"/>
-                      </p:stCondLst>
-                      <p:childTnLst>
-                        <p:par>
-                          <p:cTn id="4" fill="hold">
-                            <p:stCondLst>
-                              <p:cond delay="0"/>
-                            </p:stCondLst>
-                            <p:childTnLst>
-                              <p:par>
-                                <p:cTn id="5" presetID="1" presetClass="entr" presetSubtype="0" fill="hold" grpId="0" nodeType="clickEffect">
-                                  <p:stCondLst>
-                                    <p:cond delay="0"/>
-                                  </p:stCondLst>
-                                  <p:iterate>
-                                    <p:tmAbs val="0"/>
-                                  </p:iterate>
-                                  <p:childTnLst>
-                                    <p:set>
-                                      <p:cBhvr>
-                                        <p:cTn id="6" fill="hold"/>
-                                        <p:tgtEl>
-                                          <p:spTgt spid="19"/>
-                                        </p:tgtEl>
-                                        <p:attrNameLst>
-                                          <p:attrName>style.visibility</p:attrName>
-                                        </p:attrNameLst>
-                                      </p:cBhvr>
-                                      <p:to>
-                                        <p:strVal val="visible"/>
-                                      </p:to>
-                                    </p:set>
-                                  </p:childTnLst>
-                                </p:cTn>
-                              </p:par>
-                            </p:childTnLst>
-                          </p:cTn>
-                        </p:par>
-                      </p:childTnLst>
-                    </p:cTn>
-                  </p:par>
-                  <p:par>
-                    <p:cTn id="7" fill="hold">
-                      <p:stCondLst>
-                        <p:cond delay="indefinite"/>
-                      </p:stCondLst>
-                      <p:childTnLst>
-                        <p:par>
-                          <p:cTn id="8" fill="hold">
-                            <p:stCondLst>
-                              <p:cond delay="0"/>
-                            </p:stCondLst>
-                            <p:childTnLst>
-                              <p:par>
-                                <p:cTn id="9" presetID="1" presetClass="entr" presetSubtype="0" fill="hold" grpId="0" nodeType="clickEffect">
-                                  <p:stCondLst>
-                                    <p:cond delay="0"/>
-                                  </p:stCondLst>
-                                  <p:iterate>
-                                    <p:tmAbs val="0"/>
-                                  </p:iterate>
-                                  <p:childTnLst>
-                                    <p:set>
-                                      <p:cBhvr>
-                                        <p:cTn id="10" fill="hold"/>
-                                        <p:tgtEl>
-                                          <p:spTgt spid="20"/>
-                                        </p:tgtEl>
-                                        <p:attrNameLst>
-                                          <p:attrName>style.visibility</p:attrName>
-                                        </p:attrNameLst>
-                                      </p:cBhvr>
-                                      <p:to>
-                                        <p:strVal val="visible"/>
-                                      </p:to>
-                                    </p:set>
-                                  </p:childTnLst>
-                                </p:cTn>
-                              </p:par>
-                            </p:childTnLst>
-                          </p:cTn>
-                        </p:par>
-                      </p:childTnLst>
-                    </p:cTn>
-                  </p:par>
-                  <p:par>
-                    <p:cTn id="11" fill="hold">
-                      <p:stCondLst>
-                        <p:cond delay="indefinite"/>
-                      </p:stCondLst>
-                      <p:childTnLst>
-                        <p:par>
-                          <p:cTn id="12" fill="hold">
-                            <p:stCondLst>
-                              <p:cond delay="0"/>
-                            </p:stCondLst>
-                            <p:childTnLst>
-                              <p:par>
-                                <p:cTn id="13" presetID="1" presetClass="entr" presetSubtype="0" fill="hold" grpId="0" nodeType="clickEffect">
-                                  <p:stCondLst>
-                                    <p:cond delay="0"/>
-                                  </p:stCondLst>
-                                  <p:iterate>
-                                    <p:tmAbs val="0"/>
-                                  </p:iterate>
-                                  <p:childTnLst>
-                                    <p:set>
-                                      <p:cBhvr>
-                                        <p:cTn id="14" fill="hold"/>
-                                        <p:tgtEl>
-                                          <p:spTgt spid="32"/>
-                                        </p:tgtEl>
-                                        <p:attrNameLst>
-                                          <p:attrName>style.visibility</p:attrName>
-                                        </p:attrNameLst>
-                                      </p:cBhvr>
-                                      <p:to>
-                                        <p:strVal val="visible"/>
-                                      </p:to>
-                                    </p:set>
-                                  </p:childTnLst>
-                                </p:cTn>
-                              </p:par>
-                            </p:childTnLst>
-                          </p:cTn>
-                        </p:par>
-                      </p:childTnLst>
-                    </p:cTn>
-                  </p:par>
-                </p:childTnLst>
-              </p:cTn>
-              <p:prevCondLst>
-                <p:cond evt="onPrev" delay="0">
-                  <p:tgtEl>
-                    <p:sldTgt/>
-                  </p:tgtEl>
-                </p:cond>
-              </p:prevCondLst>
-              <p:nextCondLst>
-                <p:cond evt="onNext" delay="0">
-                  <p:tgtEl>
-                    <p:sldTgt/>
-                  </p:tgtEl>
-                </p:cond>
-              </p:nextCondLst>
-            </p:seq>
-          </p:childTnLst>
-        </p:cTn>
+        <p:cTn id="1" dur="indefinite" restart="never" nodeType="tmRoot"/>
       </p:par>
     </p:tnLst>
-    <p:bldLst>
-      <p:bldP spid="19" grpId="0" animBg="1" advAuto="0"/>
-      <p:bldP spid="20" grpId="0" animBg="1" advAuto="0"/>
-      <p:bldP spid="32" grpId="0" animBg="1" advAuto="0"/>
-    </p:bldLst>
   </p:timing>
 </p:sld>
 </file>
@@ -10566,7 +10678,7 @@
           <p:cNvPr id="2" name="Imagen 1">
             <a:extLst>
               <a:ext uri="{FF2B5EF4-FFF2-40B4-BE49-F238E27FC236}">
-                <a16:creationId xmlns="" xmlns:a16="http://schemas.microsoft.com/office/drawing/2014/main" id="{8495C0A0-4965-B406-97D2-0C73E97D488B}"/>
+                <a16:creationId xmlns:a16="http://schemas.microsoft.com/office/drawing/2014/main" xmlns="" id="{8495C0A0-4965-B406-97D2-0C73E97D488B}"/>
               </a:ext>
             </a:extLst>
           </p:cNvPr>
@@ -10576,7 +10688,7 @@
           <p:nvPr/>
         </p:nvPicPr>
         <p:blipFill>
-          <a:blip r:embed="rId2"/>
+          <a:blip r:embed="rId3"/>
           <a:stretch>
             <a:fillRect/>
           </a:stretch>
@@ -10596,7 +10708,7 @@
           <p:cNvPr id="3" name="Marcador de número de diapositiva 3">
             <a:extLst>
               <a:ext uri="{FF2B5EF4-FFF2-40B4-BE49-F238E27FC236}">
-                <a16:creationId xmlns="" xmlns:a16="http://schemas.microsoft.com/office/drawing/2014/main" id="{958FBA5A-A58E-C697-8203-4F8B9AE81A4E}"/>
+                <a16:creationId xmlns:a16="http://schemas.microsoft.com/office/drawing/2014/main" xmlns="" id="{958FBA5A-A58E-C697-8203-4F8B9AE81A4E}"/>
               </a:ext>
             </a:extLst>
           </p:cNvPr>
@@ -10630,7 +10742,7 @@
           <p:cNvPr id="23" name="Título 1">
             <a:extLst>
               <a:ext uri="{FF2B5EF4-FFF2-40B4-BE49-F238E27FC236}">
-                <a16:creationId xmlns="" xmlns:a16="http://schemas.microsoft.com/office/drawing/2014/main" id="{E1DD3CF2-B58E-FFFA-CC44-24E153BAAA08}"/>
+                <a16:creationId xmlns:a16="http://schemas.microsoft.com/office/drawing/2014/main" xmlns="" id="{E1DD3CF2-B58E-FFFA-CC44-24E153BAAA08}"/>
               </a:ext>
             </a:extLst>
           </p:cNvPr>
@@ -10700,7 +10812,7 @@
           <p:cNvPr id="24" name="Título 1">
             <a:extLst>
               <a:ext uri="{FF2B5EF4-FFF2-40B4-BE49-F238E27FC236}">
-                <a16:creationId xmlns="" xmlns:a16="http://schemas.microsoft.com/office/drawing/2014/main" id="{96653C20-5D73-6AC7-AD4D-29A9D6D74E1B}"/>
+                <a16:creationId xmlns:a16="http://schemas.microsoft.com/office/drawing/2014/main" xmlns="" id="{96653C20-5D73-6AC7-AD4D-29A9D6D74E1B}"/>
               </a:ext>
             </a:extLst>
           </p:cNvPr>
@@ -10780,7 +10892,7 @@
           </a:prstGeom>
           <a:ln w="25400">
             <a:solidFill>
-              <a:srgbClr val="C126B8"/>
+              <a:srgbClr val="C8C9C7"/>
             </a:solidFill>
             <a:tailEnd type="triangle"/>
           </a:ln>
@@ -10809,7 +10921,7 @@
           </a:prstGeom>
           <a:ln w="25400">
             <a:solidFill>
-              <a:srgbClr val="C126B8"/>
+              <a:srgbClr val="C8C9C7"/>
             </a:solidFill>
             <a:tailEnd type="triangle"/>
           </a:ln>
@@ -10895,12 +11007,10 @@
             </a:pathLst>
           </a:custGeom>
           <a:solidFill>
-            <a:srgbClr val="FF0000"/>
+            <a:srgbClr val="3C1053"/>
           </a:solidFill>
           <a:ln w="12700">
-            <a:solidFill>
-              <a:srgbClr val="C00000"/>
-            </a:solidFill>
+            <a:noFill/>
           </a:ln>
         </p:spPr>
         <p:txBody>
@@ -10991,12 +11101,10 @@
             </a:pathLst>
           </a:custGeom>
           <a:solidFill>
-            <a:srgbClr val="FF0000"/>
+            <a:srgbClr val="3C1053"/>
           </a:solidFill>
           <a:ln w="12700">
-            <a:solidFill>
-              <a:srgbClr val="C00000"/>
-            </a:solidFill>
+            <a:noFill/>
           </a:ln>
         </p:spPr>
         <p:txBody>
@@ -11022,10 +11130,10 @@
         </p:nvGrpSpPr>
         <p:grpSpPr>
           <a:xfrm>
-            <a:off x="8056835" y="5454027"/>
-            <a:ext cx="360333" cy="358141"/>
-            <a:chOff x="0" y="0"/>
-            <a:chExt cx="360332" cy="358140"/>
+            <a:off x="8056835" y="5448433"/>
+            <a:ext cx="360334" cy="369330"/>
+            <a:chOff x="0" y="-5594"/>
+            <a:chExt cx="360333" cy="369329"/>
           </a:xfrm>
         </p:grpSpPr>
         <p:sp>
@@ -11065,7 +11173,10 @@
                   </a:solidFill>
                 </a:defRPr>
               </a:pPr>
-              <a:endParaRPr/>
+              <a:endParaRPr>
+                <a:latin typeface="Verdana" panose="020B0604030504040204" pitchFamily="34" charset="0"/>
+                <a:ea typeface="Verdana" panose="020B0604030504040204" pitchFamily="34" charset="0"/>
+              </a:endParaRPr>
             </a:p>
           </p:txBody>
         </p:sp>
@@ -11077,8 +11188,8 @@
           </p:nvSpPr>
           <p:spPr>
             <a:xfrm>
-              <a:off x="0" y="0"/>
-              <a:ext cx="360333" cy="358141"/>
+              <a:off x="0" y="-5594"/>
+              <a:ext cx="360333" cy="369329"/>
             </a:xfrm>
             <a:prstGeom prst="rect">
               <a:avLst/>
@@ -11091,7 +11202,7 @@
             <a:effectLst/>
             <a:extLst>
               <a:ext uri="{C572A759-6A51-4108-AA02-DFA0A04FC94B}">
-                <ma14:wrappingTextBoxFlag xmlns:ma14="http://schemas.microsoft.com/office/mac/drawingml/2011/main" xmlns:a14="http://schemas.microsoft.com/office/drawing/2010/main" xmlns:m="http://schemas.openxmlformats.org/officeDocument/2006/math" xmlns="" val="1"/>
+                <ma14:wrappingTextBoxFlag xmlns="" xmlns:m="http://schemas.openxmlformats.org/officeDocument/2006/math" xmlns:a14="http://schemas.microsoft.com/office/drawing/2010/main" xmlns:ma14="http://schemas.microsoft.com/office/mac/drawingml/2011/main" val="1"/>
               </a:ext>
             </a:extLst>
           </p:spPr>
@@ -11109,10 +11220,17 @@
                 </a:defRPr>
               </a:pPr>
               <a:r>
+                <a:rPr>
+                  <a:latin typeface="Verdana" panose="020B0604030504040204" pitchFamily="34" charset="0"/>
+                  <a:ea typeface="Verdana" panose="020B0604030504040204" pitchFamily="34" charset="0"/>
+                </a:rPr>
                 <a:t>x</a:t>
               </a:r>
               <a:r>
-                <a:rPr sz="800"/>
+                <a:rPr sz="800">
+                  <a:latin typeface="Verdana" panose="020B0604030504040204" pitchFamily="34" charset="0"/>
+                  <a:ea typeface="Verdana" panose="020B0604030504040204" pitchFamily="34" charset="0"/>
+                </a:rPr>
                 <a:t>1</a:t>
               </a:r>
             </a:p>
@@ -11127,10 +11245,10 @@
         </p:nvGrpSpPr>
         <p:grpSpPr>
           <a:xfrm>
-            <a:off x="3320900" y="2111244"/>
-            <a:ext cx="360333" cy="358141"/>
-            <a:chOff x="0" y="0"/>
-            <a:chExt cx="360332" cy="358140"/>
+            <a:off x="3320900" y="2105650"/>
+            <a:ext cx="360334" cy="369330"/>
+            <a:chOff x="0" y="-5594"/>
+            <a:chExt cx="360333" cy="369329"/>
           </a:xfrm>
         </p:grpSpPr>
         <p:sp>
@@ -11170,7 +11288,10 @@
                   </a:solidFill>
                 </a:defRPr>
               </a:pPr>
-              <a:endParaRPr/>
+              <a:endParaRPr>
+                <a:latin typeface="Verdana" panose="020B0604030504040204" pitchFamily="34" charset="0"/>
+                <a:ea typeface="Verdana" panose="020B0604030504040204" pitchFamily="34" charset="0"/>
+              </a:endParaRPr>
             </a:p>
           </p:txBody>
         </p:sp>
@@ -11182,8 +11303,8 @@
           </p:nvSpPr>
           <p:spPr>
             <a:xfrm>
-              <a:off x="0" y="0"/>
-              <a:ext cx="360333" cy="358141"/>
+              <a:off x="0" y="-5594"/>
+              <a:ext cx="360333" cy="369329"/>
             </a:xfrm>
             <a:prstGeom prst="rect">
               <a:avLst/>
@@ -11196,7 +11317,7 @@
             <a:effectLst/>
             <a:extLst>
               <a:ext uri="{C572A759-6A51-4108-AA02-DFA0A04FC94B}">
-                <ma14:wrappingTextBoxFlag xmlns:ma14="http://schemas.microsoft.com/office/mac/drawingml/2011/main" xmlns:a14="http://schemas.microsoft.com/office/drawing/2010/main" xmlns:m="http://schemas.openxmlformats.org/officeDocument/2006/math" xmlns="" val="1"/>
+                <ma14:wrappingTextBoxFlag xmlns="" xmlns:m="http://schemas.openxmlformats.org/officeDocument/2006/math" xmlns:a14="http://schemas.microsoft.com/office/drawing/2010/main" xmlns:ma14="http://schemas.microsoft.com/office/mac/drawingml/2011/main" val="1"/>
               </a:ext>
             </a:extLst>
           </p:spPr>
@@ -11215,6 +11336,10 @@
             </a:lstStyle>
             <a:p>
               <a:r>
+                <a:rPr>
+                  <a:latin typeface="Verdana" panose="020B0604030504040204" pitchFamily="34" charset="0"/>
+                  <a:ea typeface="Verdana" panose="020B0604030504040204" pitchFamily="34" charset="0"/>
+                </a:rPr>
                 <a:t>y</a:t>
               </a:r>
             </a:p>
@@ -11294,12 +11419,10 @@
             </a:pathLst>
           </a:custGeom>
           <a:solidFill>
-            <a:srgbClr val="FF0000"/>
+            <a:srgbClr val="3C1053"/>
           </a:solidFill>
           <a:ln w="12700">
-            <a:solidFill>
-              <a:srgbClr val="C00000"/>
-            </a:solidFill>
+            <a:noFill/>
           </a:ln>
         </p:spPr>
         <p:txBody>
@@ -11390,12 +11513,10 @@
             </a:pathLst>
           </a:custGeom>
           <a:solidFill>
-            <a:srgbClr val="FF0000"/>
+            <a:srgbClr val="3C1053"/>
           </a:solidFill>
           <a:ln w="12700">
-            <a:solidFill>
-              <a:srgbClr val="C00000"/>
-            </a:solidFill>
+            <a:noFill/>
           </a:ln>
         </p:spPr>
         <p:txBody>
@@ -11486,12 +11607,10 @@
             </a:pathLst>
           </a:custGeom>
           <a:solidFill>
-            <a:srgbClr val="FF0000"/>
+            <a:srgbClr val="3C1053"/>
           </a:solidFill>
           <a:ln w="12700">
-            <a:solidFill>
-              <a:srgbClr val="C00000"/>
-            </a:solidFill>
+            <a:noFill/>
           </a:ln>
         </p:spPr>
         <p:txBody>
@@ -11525,7 +11644,7 @@
           </a:prstGeom>
           <a:ln w="25400">
             <a:solidFill>
-              <a:srgbClr val="C126B8"/>
+              <a:srgbClr val="0DC9FD"/>
             </a:solidFill>
           </a:ln>
         </p:spPr>
@@ -11546,7 +11665,7 @@
           <p:nvPr/>
         </p:nvPicPr>
         <p:blipFill>
-          <a:blip r:embed="rId3"/>
+          <a:blip r:embed="rId4"/>
           <a:stretch>
             <a:fillRect/>
           </a:stretch>
@@ -11578,9 +11697,9 @@
           <a:prstGeom prst="line">
             <a:avLst/>
           </a:prstGeom>
-          <a:ln w="12700">
+          <a:ln w="38100">
             <a:solidFill>
-              <a:srgbClr val="262626"/>
+              <a:srgbClr val="F03455"/>
             </a:solidFill>
             <a:tailEnd type="triangle"/>
           </a:ln>
@@ -11604,7 +11723,7 @@
     <a:masterClrMapping/>
   </p:clrMapOvr>
   <mc:AlternateContent xmlns:mc="http://schemas.openxmlformats.org/markup-compatibility/2006">
-    <mc:Choice xmlns="" xmlns:p159="http://schemas.microsoft.com/office/powerpoint/2015/09/main" Requires="p159">
+    <mc:Choice xmlns:p159="http://schemas.microsoft.com/office/powerpoint/2015/09/main" xmlns="" Requires="p159">
       <p:transition xmlns:p14="http://schemas.microsoft.com/office/powerpoint/2010/main" spd="slow" p14:dur="2000">
         <p159:morph option="byObject"/>
       </p:transition>
@@ -11618,176 +11737,9 @@
   <p:timing>
     <p:tnLst>
       <p:par>
-        <p:cTn id="1" dur="indefinite" restart="never" nodeType="tmRoot">
-          <p:childTnLst>
-            <p:seq concurrent="1" nextAc="seek">
-              <p:cTn id="2" dur="indefinite" nodeType="mainSeq">
-                <p:childTnLst>
-                  <p:par>
-                    <p:cTn id="3" fill="hold">
-                      <p:stCondLst>
-                        <p:cond delay="indefinite"/>
-                      </p:stCondLst>
-                      <p:childTnLst>
-                        <p:par>
-                          <p:cTn id="4" fill="hold">
-                            <p:stCondLst>
-                              <p:cond delay="0"/>
-                            </p:stCondLst>
-                            <p:childTnLst>
-                              <p:par>
-                                <p:cTn id="5" presetID="22" presetClass="entr" presetSubtype="4" fill="hold" grpId="0" nodeType="clickEffect">
-                                  <p:stCondLst>
-                                    <p:cond delay="0"/>
-                                  </p:stCondLst>
-                                  <p:iterate>
-                                    <p:tmAbs val="0"/>
-                                  </p:iterate>
-                                  <p:childTnLst>
-                                    <p:set>
-                                      <p:cBhvr>
-                                        <p:cTn id="6" fill="hold"/>
-                                        <p:tgtEl>
-                                          <p:spTgt spid="87"/>
-                                        </p:tgtEl>
-                                        <p:attrNameLst>
-                                          <p:attrName>style.visibility</p:attrName>
-                                        </p:attrNameLst>
-                                      </p:cBhvr>
-                                      <p:to>
-                                        <p:strVal val="visible"/>
-                                      </p:to>
-                                    </p:set>
-                                    <p:animEffect transition="in" filter="wipe(down)">
-                                      <p:cBhvr>
-                                        <p:cTn id="7" dur="500"/>
-                                        <p:tgtEl>
-                                          <p:spTgt spid="87"/>
-                                        </p:tgtEl>
-                                      </p:cBhvr>
-                                    </p:animEffect>
-                                  </p:childTnLst>
-                                </p:cTn>
-                              </p:par>
-                            </p:childTnLst>
-                          </p:cTn>
-                        </p:par>
-                      </p:childTnLst>
-                    </p:cTn>
-                  </p:par>
-                  <p:par>
-                    <p:cTn id="8" fill="hold">
-                      <p:stCondLst>
-                        <p:cond delay="indefinite"/>
-                      </p:stCondLst>
-                      <p:childTnLst>
-                        <p:par>
-                          <p:cTn id="9" fill="hold">
-                            <p:stCondLst>
-                              <p:cond delay="0"/>
-                            </p:stCondLst>
-                            <p:childTnLst>
-                              <p:par>
-                                <p:cTn id="10" presetID="22" presetClass="entr" presetSubtype="2" fill="hold" grpId="0" nodeType="clickEffect">
-                                  <p:stCondLst>
-                                    <p:cond delay="0"/>
-                                  </p:stCondLst>
-                                  <p:iterate>
-                                    <p:tmAbs val="0"/>
-                                  </p:iterate>
-                                  <p:childTnLst>
-                                    <p:set>
-                                      <p:cBhvr>
-                                        <p:cTn id="11" fill="hold"/>
-                                        <p:tgtEl>
-                                          <p:spTgt spid="89"/>
-                                        </p:tgtEl>
-                                        <p:attrNameLst>
-                                          <p:attrName>style.visibility</p:attrName>
-                                        </p:attrNameLst>
-                                      </p:cBhvr>
-                                      <p:to>
-                                        <p:strVal val="visible"/>
-                                      </p:to>
-                                    </p:set>
-                                    <p:animEffect transition="in" filter="wipe(right)">
-                                      <p:cBhvr>
-                                        <p:cTn id="12" dur="500"/>
-                                        <p:tgtEl>
-                                          <p:spTgt spid="89"/>
-                                        </p:tgtEl>
-                                      </p:cBhvr>
-                                    </p:animEffect>
-                                  </p:childTnLst>
-                                </p:cTn>
-                              </p:par>
-                            </p:childTnLst>
-                          </p:cTn>
-                        </p:par>
-                        <p:par>
-                          <p:cTn id="13" fill="hold">
-                            <p:stCondLst>
-                              <p:cond delay="500"/>
-                            </p:stCondLst>
-                            <p:childTnLst>
-                              <p:par>
-                                <p:cTn id="14" presetID="1" presetClass="entr" presetSubtype="0" fill="hold" grpId="0" nodeType="afterEffect">
-                                  <p:stCondLst>
-                                    <p:cond delay="0"/>
-                                  </p:stCondLst>
-                                  <p:iterate>
-                                    <p:tmAbs val="0"/>
-                                  </p:iterate>
-                                  <p:childTnLst>
-                                    <p:set>
-                                      <p:cBhvr>
-                                        <p:cTn id="15" fill="hold"/>
-                                        <p:tgtEl>
-                                          <p:spTgt spid="88"/>
-                                        </p:tgtEl>
-                                        <p:attrNameLst>
-                                          <p:attrName>style.visibility</p:attrName>
-                                        </p:attrNameLst>
-                                      </p:cBhvr>
-                                      <p:to>
-                                        <p:strVal val="visible"/>
-                                      </p:to>
-                                    </p:set>
-                                  </p:childTnLst>
-                                </p:cTn>
-                              </p:par>
-                            </p:childTnLst>
-                          </p:cTn>
-                        </p:par>
-                      </p:childTnLst>
-                    </p:cTn>
-                  </p:par>
-                </p:childTnLst>
-              </p:cTn>
-              <p:prevCondLst>
-                <p:cond evt="onPrev" delay="0">
-                  <p:tgtEl>
-                    <p:sldTgt/>
-                  </p:tgtEl>
-                </p:cond>
-              </p:prevCondLst>
-              <p:nextCondLst>
-                <p:cond evt="onNext" delay="0">
-                  <p:tgtEl>
-                    <p:sldTgt/>
-                  </p:tgtEl>
-                </p:cond>
-              </p:nextCondLst>
-            </p:seq>
-          </p:childTnLst>
-        </p:cTn>
+        <p:cTn id="1" dur="indefinite" restart="never" nodeType="tmRoot"/>
       </p:par>
     </p:tnLst>
-    <p:bldLst>
-      <p:bldP spid="87" grpId="0" animBg="1" advAuto="0"/>
-      <p:bldP spid="88" grpId="0" animBg="1" advAuto="0"/>
-      <p:bldP spid="89" grpId="0" animBg="1" advAuto="0"/>
-    </p:bldLst>
   </p:timing>
 </p:sld>
 </file>
@@ -11814,7 +11766,7 @@
           <p:cNvPr id="2" name="Imagen 1">
             <a:extLst>
               <a:ext uri="{FF2B5EF4-FFF2-40B4-BE49-F238E27FC236}">
-                <a16:creationId xmlns="" xmlns:a16="http://schemas.microsoft.com/office/drawing/2014/main" id="{8495C0A0-4965-B406-97D2-0C73E97D488B}"/>
+                <a16:creationId xmlns:a16="http://schemas.microsoft.com/office/drawing/2014/main" xmlns="" id="{8495C0A0-4965-B406-97D2-0C73E97D488B}"/>
               </a:ext>
             </a:extLst>
           </p:cNvPr>
@@ -11824,7 +11776,7 @@
           <p:nvPr/>
         </p:nvPicPr>
         <p:blipFill>
-          <a:blip r:embed="rId2"/>
+          <a:blip r:embed="rId3"/>
           <a:stretch>
             <a:fillRect/>
           </a:stretch>
@@ -11844,7 +11796,7 @@
           <p:cNvPr id="3" name="Marcador de número de diapositiva 3">
             <a:extLst>
               <a:ext uri="{FF2B5EF4-FFF2-40B4-BE49-F238E27FC236}">
-                <a16:creationId xmlns="" xmlns:a16="http://schemas.microsoft.com/office/drawing/2014/main" id="{958FBA5A-A58E-C697-8203-4F8B9AE81A4E}"/>
+                <a16:creationId xmlns:a16="http://schemas.microsoft.com/office/drawing/2014/main" xmlns="" id="{958FBA5A-A58E-C697-8203-4F8B9AE81A4E}"/>
               </a:ext>
             </a:extLst>
           </p:cNvPr>
@@ -11878,7 +11830,7 @@
           <p:cNvPr id="23" name="Título 1">
             <a:extLst>
               <a:ext uri="{FF2B5EF4-FFF2-40B4-BE49-F238E27FC236}">
-                <a16:creationId xmlns="" xmlns:a16="http://schemas.microsoft.com/office/drawing/2014/main" id="{E1DD3CF2-B58E-FFFA-CC44-24E153BAAA08}"/>
+                <a16:creationId xmlns:a16="http://schemas.microsoft.com/office/drawing/2014/main" xmlns="" id="{E1DD3CF2-B58E-FFFA-CC44-24E153BAAA08}"/>
               </a:ext>
             </a:extLst>
           </p:cNvPr>
@@ -11948,7 +11900,7 @@
           <p:cNvPr id="24" name="Título 1">
             <a:extLst>
               <a:ext uri="{FF2B5EF4-FFF2-40B4-BE49-F238E27FC236}">
-                <a16:creationId xmlns="" xmlns:a16="http://schemas.microsoft.com/office/drawing/2014/main" id="{96653C20-5D73-6AC7-AD4D-29A9D6D74E1B}"/>
+                <a16:creationId xmlns:a16="http://schemas.microsoft.com/office/drawing/2014/main" xmlns="" id="{96653C20-5D73-6AC7-AD4D-29A9D6D74E1B}"/>
               </a:ext>
             </a:extLst>
           </p:cNvPr>
@@ -12028,7 +11980,7 @@
           </a:prstGeom>
           <a:ln w="25400">
             <a:solidFill>
-              <a:srgbClr val="C126B8"/>
+              <a:srgbClr val="C8C9C7"/>
             </a:solidFill>
             <a:tailEnd type="triangle"/>
           </a:ln>
@@ -12057,7 +12009,7 @@
           </a:prstGeom>
           <a:ln w="25400">
             <a:solidFill>
-              <a:srgbClr val="C126B8"/>
+              <a:srgbClr val="C8C9C7"/>
             </a:solidFill>
             <a:tailEnd type="triangle"/>
           </a:ln>
@@ -12143,12 +12095,10 @@
             </a:pathLst>
           </a:custGeom>
           <a:solidFill>
-            <a:srgbClr val="FF0000"/>
+            <a:srgbClr val="3C1053"/>
           </a:solidFill>
           <a:ln w="12700">
-            <a:solidFill>
-              <a:srgbClr val="C00000"/>
-            </a:solidFill>
+            <a:noFill/>
           </a:ln>
         </p:spPr>
         <p:txBody>
@@ -12239,12 +12189,10 @@
             </a:pathLst>
           </a:custGeom>
           <a:solidFill>
-            <a:srgbClr val="FF0000"/>
+            <a:srgbClr val="3C1053"/>
           </a:solidFill>
           <a:ln w="12700">
-            <a:solidFill>
-              <a:srgbClr val="C00000"/>
-            </a:solidFill>
+            <a:noFill/>
           </a:ln>
         </p:spPr>
         <p:txBody>
@@ -12270,10 +12218,10 @@
         </p:nvGrpSpPr>
         <p:grpSpPr>
           <a:xfrm>
-            <a:off x="7713527" y="5441846"/>
-            <a:ext cx="360333" cy="358141"/>
-            <a:chOff x="0" y="0"/>
-            <a:chExt cx="360332" cy="358140"/>
+            <a:off x="7713527" y="5436252"/>
+            <a:ext cx="360334" cy="369330"/>
+            <a:chOff x="0" y="-5594"/>
+            <a:chExt cx="360333" cy="369329"/>
           </a:xfrm>
         </p:grpSpPr>
         <p:sp>
@@ -12313,7 +12261,10 @@
                   </a:solidFill>
                 </a:defRPr>
               </a:pPr>
-              <a:endParaRPr/>
+              <a:endParaRPr>
+                <a:latin typeface="Verdana" panose="020B0604030504040204" pitchFamily="34" charset="0"/>
+                <a:ea typeface="Verdana" panose="020B0604030504040204" pitchFamily="34" charset="0"/>
+              </a:endParaRPr>
             </a:p>
           </p:txBody>
         </p:sp>
@@ -12325,8 +12276,8 @@
           </p:nvSpPr>
           <p:spPr>
             <a:xfrm>
-              <a:off x="0" y="0"/>
-              <a:ext cx="360333" cy="358141"/>
+              <a:off x="0" y="-5594"/>
+              <a:ext cx="360333" cy="369329"/>
             </a:xfrm>
             <a:prstGeom prst="rect">
               <a:avLst/>
@@ -12339,7 +12290,7 @@
             <a:effectLst/>
             <a:extLst>
               <a:ext uri="{C572A759-6A51-4108-AA02-DFA0A04FC94B}">
-                <ma14:wrappingTextBoxFlag xmlns:ma14="http://schemas.microsoft.com/office/mac/drawingml/2011/main" xmlns:a14="http://schemas.microsoft.com/office/drawing/2010/main" xmlns:m="http://schemas.openxmlformats.org/officeDocument/2006/math" xmlns="" val="1"/>
+                <ma14:wrappingTextBoxFlag xmlns="" xmlns:m="http://schemas.openxmlformats.org/officeDocument/2006/math" xmlns:a14="http://schemas.microsoft.com/office/drawing/2010/main" xmlns:ma14="http://schemas.microsoft.com/office/mac/drawingml/2011/main" val="1"/>
               </a:ext>
             </a:extLst>
           </p:spPr>
@@ -12357,10 +12308,17 @@
                 </a:defRPr>
               </a:pPr>
               <a:r>
+                <a:rPr>
+                  <a:latin typeface="Verdana" panose="020B0604030504040204" pitchFamily="34" charset="0"/>
+                  <a:ea typeface="Verdana" panose="020B0604030504040204" pitchFamily="34" charset="0"/>
+                </a:rPr>
                 <a:t>x</a:t>
               </a:r>
               <a:r>
-                <a:rPr sz="800"/>
+                <a:rPr sz="800">
+                  <a:latin typeface="Verdana" panose="020B0604030504040204" pitchFamily="34" charset="0"/>
+                  <a:ea typeface="Verdana" panose="020B0604030504040204" pitchFamily="34" charset="0"/>
+                </a:rPr>
                 <a:t>1</a:t>
               </a:r>
             </a:p>
@@ -12375,10 +12333,10 @@
         </p:nvGrpSpPr>
         <p:grpSpPr>
           <a:xfrm>
-            <a:off x="2977592" y="2099063"/>
-            <a:ext cx="360333" cy="358141"/>
-            <a:chOff x="0" y="0"/>
-            <a:chExt cx="360332" cy="358140"/>
+            <a:off x="2977592" y="2093469"/>
+            <a:ext cx="360334" cy="369330"/>
+            <a:chOff x="0" y="-5594"/>
+            <a:chExt cx="360333" cy="369329"/>
           </a:xfrm>
         </p:grpSpPr>
         <p:sp>
@@ -12418,7 +12376,10 @@
                   </a:solidFill>
                 </a:defRPr>
               </a:pPr>
-              <a:endParaRPr/>
+              <a:endParaRPr>
+                <a:latin typeface="Verdana" panose="020B0604030504040204" pitchFamily="34" charset="0"/>
+                <a:ea typeface="Verdana" panose="020B0604030504040204" pitchFamily="34" charset="0"/>
+              </a:endParaRPr>
             </a:p>
           </p:txBody>
         </p:sp>
@@ -12430,8 +12391,8 @@
           </p:nvSpPr>
           <p:spPr>
             <a:xfrm>
-              <a:off x="0" y="0"/>
-              <a:ext cx="360333" cy="358141"/>
+              <a:off x="0" y="-5594"/>
+              <a:ext cx="360333" cy="369329"/>
             </a:xfrm>
             <a:prstGeom prst="rect">
               <a:avLst/>
@@ -12444,7 +12405,7 @@
             <a:effectLst/>
             <a:extLst>
               <a:ext uri="{C572A759-6A51-4108-AA02-DFA0A04FC94B}">
-                <ma14:wrappingTextBoxFlag xmlns:ma14="http://schemas.microsoft.com/office/mac/drawingml/2011/main" xmlns:a14="http://schemas.microsoft.com/office/drawing/2010/main" xmlns:m="http://schemas.openxmlformats.org/officeDocument/2006/math" xmlns="" val="1"/>
+                <ma14:wrappingTextBoxFlag xmlns="" xmlns:m="http://schemas.openxmlformats.org/officeDocument/2006/math" xmlns:a14="http://schemas.microsoft.com/office/drawing/2010/main" xmlns:ma14="http://schemas.microsoft.com/office/mac/drawingml/2011/main" val="1"/>
               </a:ext>
             </a:extLst>
           </p:spPr>
@@ -12463,6 +12424,10 @@
             </a:lstStyle>
             <a:p>
               <a:r>
+                <a:rPr>
+                  <a:latin typeface="Verdana" panose="020B0604030504040204" pitchFamily="34" charset="0"/>
+                  <a:ea typeface="Verdana" panose="020B0604030504040204" pitchFamily="34" charset="0"/>
+                </a:rPr>
                 <a:t>y</a:t>
               </a:r>
             </a:p>
@@ -12542,12 +12507,10 @@
             </a:pathLst>
           </a:custGeom>
           <a:solidFill>
-            <a:srgbClr val="FF0000"/>
+            <a:srgbClr val="3C1053"/>
           </a:solidFill>
           <a:ln w="12700">
-            <a:solidFill>
-              <a:srgbClr val="C00000"/>
-            </a:solidFill>
+            <a:noFill/>
           </a:ln>
         </p:spPr>
         <p:txBody>
@@ -12638,12 +12601,10 @@
             </a:pathLst>
           </a:custGeom>
           <a:solidFill>
-            <a:srgbClr val="FF0000"/>
+            <a:srgbClr val="3C1053"/>
           </a:solidFill>
           <a:ln w="12700">
-            <a:solidFill>
-              <a:srgbClr val="C00000"/>
-            </a:solidFill>
+            <a:noFill/>
           </a:ln>
         </p:spPr>
         <p:txBody>
@@ -12734,12 +12695,10 @@
             </a:pathLst>
           </a:custGeom>
           <a:solidFill>
-            <a:srgbClr val="FF0000"/>
+            <a:srgbClr val="3C1053"/>
           </a:solidFill>
           <a:ln w="12700">
-            <a:solidFill>
-              <a:srgbClr val="C00000"/>
-            </a:solidFill>
+            <a:noFill/>
           </a:ln>
         </p:spPr>
         <p:txBody>
@@ -12830,12 +12789,10 @@
             </a:pathLst>
           </a:custGeom>
           <a:solidFill>
-            <a:srgbClr val="FF0000"/>
+            <a:srgbClr val="3C1053"/>
           </a:solidFill>
           <a:ln w="12700">
-            <a:solidFill>
-              <a:srgbClr val="C00000"/>
-            </a:solidFill>
+            <a:noFill/>
           </a:ln>
         </p:spPr>
         <p:txBody>
@@ -12876,7 +12833,7 @@
             <p:nvPr/>
           </p:nvPicPr>
           <p:blipFill>
-            <a:blip r:embed="rId3"/>
+            <a:blip r:embed="rId4"/>
             <a:stretch>
               <a:fillRect/>
             </a:stretch>
@@ -12956,7 +12913,7 @@
             <a:noFill/>
             <a:ln w="25400" cap="flat">
               <a:solidFill>
-                <a:srgbClr val="FF0000"/>
+                <a:srgbClr val="F03455"/>
               </a:solidFill>
               <a:prstDash val="solid"/>
               <a:round/>
@@ -13046,7 +13003,7 @@
           </a:custGeom>
           <a:ln w="25400">
             <a:solidFill>
-              <a:srgbClr val="C126B8"/>
+              <a:srgbClr val="0DC9FD"/>
             </a:solidFill>
           </a:ln>
         </p:spPr>
@@ -13079,9 +13036,9 @@
           <a:prstGeom prst="line">
             <a:avLst/>
           </a:prstGeom>
-          <a:ln w="12700">
+          <a:ln w="38100">
             <a:solidFill>
-              <a:srgbClr val="262626"/>
+              <a:srgbClr val="F03455"/>
             </a:solidFill>
             <a:tailEnd type="triangle"/>
           </a:ln>
@@ -13105,7 +13062,7 @@
     <a:masterClrMapping/>
   </p:clrMapOvr>
   <mc:AlternateContent xmlns:mc="http://schemas.openxmlformats.org/markup-compatibility/2006">
-    <mc:Choice xmlns="" xmlns:p159="http://schemas.microsoft.com/office/powerpoint/2015/09/main" Requires="p159">
+    <mc:Choice xmlns:p159="http://schemas.microsoft.com/office/powerpoint/2015/09/main" xmlns="" Requires="p159">
       <p:transition xmlns:p14="http://schemas.microsoft.com/office/powerpoint/2010/main" spd="slow" p14:dur="2000">
         <p159:morph option="byObject"/>
       </p:transition>
@@ -13119,176 +13076,9 @@
   <p:timing>
     <p:tnLst>
       <p:par>
-        <p:cTn id="1" dur="indefinite" restart="never" nodeType="tmRoot">
-          <p:childTnLst>
-            <p:seq concurrent="1" nextAc="seek">
-              <p:cTn id="2" dur="indefinite" nodeType="mainSeq">
-                <p:childTnLst>
-                  <p:par>
-                    <p:cTn id="3" fill="hold">
-                      <p:stCondLst>
-                        <p:cond delay="indefinite"/>
-                      </p:stCondLst>
-                      <p:childTnLst>
-                        <p:par>
-                          <p:cTn id="4" fill="hold">
-                            <p:stCondLst>
-                              <p:cond delay="0"/>
-                            </p:stCondLst>
-                            <p:childTnLst>
-                              <p:par>
-                                <p:cTn id="5" presetID="22" presetClass="entr" presetSubtype="8" fill="hold" grpId="0" nodeType="clickEffect">
-                                  <p:stCondLst>
-                                    <p:cond delay="0"/>
-                                  </p:stCondLst>
-                                  <p:iterate>
-                                    <p:tmAbs val="0"/>
-                                  </p:iterate>
-                                  <p:childTnLst>
-                                    <p:set>
-                                      <p:cBhvr>
-                                        <p:cTn id="6" fill="hold"/>
-                                        <p:tgtEl>
-                                          <p:spTgt spid="44"/>
-                                        </p:tgtEl>
-                                        <p:attrNameLst>
-                                          <p:attrName>style.visibility</p:attrName>
-                                        </p:attrNameLst>
-                                      </p:cBhvr>
-                                      <p:to>
-                                        <p:strVal val="visible"/>
-                                      </p:to>
-                                    </p:set>
-                                    <p:animEffect transition="in" filter="wipe(left)">
-                                      <p:cBhvr>
-                                        <p:cTn id="7" dur="500"/>
-                                        <p:tgtEl>
-                                          <p:spTgt spid="44"/>
-                                        </p:tgtEl>
-                                      </p:cBhvr>
-                                    </p:animEffect>
-                                  </p:childTnLst>
-                                </p:cTn>
-                              </p:par>
-                            </p:childTnLst>
-                          </p:cTn>
-                        </p:par>
-                      </p:childTnLst>
-                    </p:cTn>
-                  </p:par>
-                  <p:par>
-                    <p:cTn id="8" fill="hold">
-                      <p:stCondLst>
-                        <p:cond delay="indefinite"/>
-                      </p:stCondLst>
-                      <p:childTnLst>
-                        <p:par>
-                          <p:cTn id="9" fill="hold">
-                            <p:stCondLst>
-                              <p:cond delay="0"/>
-                            </p:stCondLst>
-                            <p:childTnLst>
-                              <p:par>
-                                <p:cTn id="10" presetID="22" presetClass="entr" presetSubtype="2" fill="hold" grpId="0" nodeType="clickEffect">
-                                  <p:stCondLst>
-                                    <p:cond delay="0"/>
-                                  </p:stCondLst>
-                                  <p:iterate>
-                                    <p:tmAbs val="0"/>
-                                  </p:iterate>
-                                  <p:childTnLst>
-                                    <p:set>
-                                      <p:cBhvr>
-                                        <p:cTn id="11" fill="hold"/>
-                                        <p:tgtEl>
-                                          <p:spTgt spid="45"/>
-                                        </p:tgtEl>
-                                        <p:attrNameLst>
-                                          <p:attrName>style.visibility</p:attrName>
-                                        </p:attrNameLst>
-                                      </p:cBhvr>
-                                      <p:to>
-                                        <p:strVal val="visible"/>
-                                      </p:to>
-                                    </p:set>
-                                    <p:animEffect transition="in" filter="wipe(right)">
-                                      <p:cBhvr>
-                                        <p:cTn id="12" dur="500"/>
-                                        <p:tgtEl>
-                                          <p:spTgt spid="45"/>
-                                        </p:tgtEl>
-                                      </p:cBhvr>
-                                    </p:animEffect>
-                                  </p:childTnLst>
-                                </p:cTn>
-                              </p:par>
-                            </p:childTnLst>
-                          </p:cTn>
-                        </p:par>
-                        <p:par>
-                          <p:cTn id="13" fill="hold">
-                            <p:stCondLst>
-                              <p:cond delay="500"/>
-                            </p:stCondLst>
-                            <p:childTnLst>
-                              <p:par>
-                                <p:cTn id="14" presetID="1" presetClass="entr" presetSubtype="0" fill="hold" grpId="0" nodeType="afterEffect">
-                                  <p:stCondLst>
-                                    <p:cond delay="0"/>
-                                  </p:stCondLst>
-                                  <p:iterate>
-                                    <p:tmAbs val="0"/>
-                                  </p:iterate>
-                                  <p:childTnLst>
-                                    <p:set>
-                                      <p:cBhvr>
-                                        <p:cTn id="15" fill="hold"/>
-                                        <p:tgtEl>
-                                          <p:spTgt spid="38"/>
-                                        </p:tgtEl>
-                                        <p:attrNameLst>
-                                          <p:attrName>style.visibility</p:attrName>
-                                        </p:attrNameLst>
-                                      </p:cBhvr>
-                                      <p:to>
-                                        <p:strVal val="visible"/>
-                                      </p:to>
-                                    </p:set>
-                                  </p:childTnLst>
-                                </p:cTn>
-                              </p:par>
-                            </p:childTnLst>
-                          </p:cTn>
-                        </p:par>
-                      </p:childTnLst>
-                    </p:cTn>
-                  </p:par>
-                </p:childTnLst>
-              </p:cTn>
-              <p:prevCondLst>
-                <p:cond evt="onPrev" delay="0">
-                  <p:tgtEl>
-                    <p:sldTgt/>
-                  </p:tgtEl>
-                </p:cond>
-              </p:prevCondLst>
-              <p:nextCondLst>
-                <p:cond evt="onNext" delay="0">
-                  <p:tgtEl>
-                    <p:sldTgt/>
-                  </p:tgtEl>
-                </p:cond>
-              </p:nextCondLst>
-            </p:seq>
-          </p:childTnLst>
-        </p:cTn>
+        <p:cTn id="1" dur="indefinite" restart="never" nodeType="tmRoot"/>
       </p:par>
     </p:tnLst>
-    <p:bldLst>
-      <p:bldP spid="38" grpId="0" animBg="1" advAuto="0"/>
-      <p:bldP spid="44" grpId="0" animBg="1" advAuto="0"/>
-      <p:bldP spid="45" grpId="0" animBg="1" advAuto="0"/>
-    </p:bldLst>
   </p:timing>
 </p:sld>
 </file>
@@ -13315,7 +13105,7 @@
           <p:cNvPr id="2" name="Imagen 1">
             <a:extLst>
               <a:ext uri="{FF2B5EF4-FFF2-40B4-BE49-F238E27FC236}">
-                <a16:creationId xmlns="" xmlns:a16="http://schemas.microsoft.com/office/drawing/2014/main" id="{8495C0A0-4965-B406-97D2-0C73E97D488B}"/>
+                <a16:creationId xmlns:a16="http://schemas.microsoft.com/office/drawing/2014/main" xmlns="" id="{8495C0A0-4965-B406-97D2-0C73E97D488B}"/>
               </a:ext>
             </a:extLst>
           </p:cNvPr>
@@ -13345,7 +13135,7 @@
           <p:cNvPr id="3" name="Marcador de número de diapositiva 3">
             <a:extLst>
               <a:ext uri="{FF2B5EF4-FFF2-40B4-BE49-F238E27FC236}">
-                <a16:creationId xmlns="" xmlns:a16="http://schemas.microsoft.com/office/drawing/2014/main" id="{958FBA5A-A58E-C697-8203-4F8B9AE81A4E}"/>
+                <a16:creationId xmlns:a16="http://schemas.microsoft.com/office/drawing/2014/main" xmlns="" id="{958FBA5A-A58E-C697-8203-4F8B9AE81A4E}"/>
               </a:ext>
             </a:extLst>
           </p:cNvPr>
@@ -13379,7 +13169,7 @@
           <p:cNvPr id="23" name="Título 1">
             <a:extLst>
               <a:ext uri="{FF2B5EF4-FFF2-40B4-BE49-F238E27FC236}">
-                <a16:creationId xmlns="" xmlns:a16="http://schemas.microsoft.com/office/drawing/2014/main" id="{E1DD3CF2-B58E-FFFA-CC44-24E153BAAA08}"/>
+                <a16:creationId xmlns:a16="http://schemas.microsoft.com/office/drawing/2014/main" xmlns="" id="{E1DD3CF2-B58E-FFFA-CC44-24E153BAAA08}"/>
               </a:ext>
             </a:extLst>
           </p:cNvPr>
@@ -13449,7 +13239,7 @@
           <p:cNvPr id="24" name="Título 1">
             <a:extLst>
               <a:ext uri="{FF2B5EF4-FFF2-40B4-BE49-F238E27FC236}">
-                <a16:creationId xmlns="" xmlns:a16="http://schemas.microsoft.com/office/drawing/2014/main" id="{96653C20-5D73-6AC7-AD4D-29A9D6D74E1B}"/>
+                <a16:creationId xmlns:a16="http://schemas.microsoft.com/office/drawing/2014/main" xmlns="" id="{96653C20-5D73-6AC7-AD4D-29A9D6D74E1B}"/>
               </a:ext>
             </a:extLst>
           </p:cNvPr>
@@ -13518,7 +13308,7 @@
           <p:cNvPr id="41" name="Rectángulo redondeado 30">
             <a:extLst>
               <a:ext uri="{FF2B5EF4-FFF2-40B4-BE49-F238E27FC236}">
-                <a16:creationId xmlns="" xmlns:a16="http://schemas.microsoft.com/office/drawing/2014/main" id="{80BB5CA9-6BAF-7E14-AA22-D2BAD29E8C87}"/>
+                <a16:creationId xmlns:a16="http://schemas.microsoft.com/office/drawing/2014/main" xmlns="" id="{80BB5CA9-6BAF-7E14-AA22-D2BAD29E8C87}"/>
               </a:ext>
             </a:extLst>
           </p:cNvPr>
@@ -13580,7 +13370,7 @@
           <p:cNvPr id="42" name="Subtítulo 2">
             <a:extLst>
               <a:ext uri="{FF2B5EF4-FFF2-40B4-BE49-F238E27FC236}">
-                <a16:creationId xmlns="" xmlns:a16="http://schemas.microsoft.com/office/drawing/2014/main" id="{2823FBAE-8D0D-34B3-24D4-48BB96A3622B}"/>
+                <a16:creationId xmlns:a16="http://schemas.microsoft.com/office/drawing/2014/main" xmlns="" id="{2823FBAE-8D0D-34B3-24D4-48BB96A3622B}"/>
               </a:ext>
             </a:extLst>
           </p:cNvPr>
@@ -13811,7 +13601,7 @@
           </a:ln>
           <a:extLst>
             <a:ext uri="{C572A759-6A51-4108-AA02-DFA0A04FC94B}">
-              <ma14:wrappingTextBoxFlag xmlns:ma14="http://schemas.microsoft.com/office/mac/drawingml/2011/main" xmlns:a14="http://schemas.microsoft.com/office/drawing/2010/main" xmlns:m="http://schemas.openxmlformats.org/officeDocument/2006/math" xmlns="" val="1"/>
+              <ma14:wrappingTextBoxFlag xmlns="" xmlns:m="http://schemas.openxmlformats.org/officeDocument/2006/math" xmlns:a14="http://schemas.microsoft.com/office/drawing/2010/main" xmlns:ma14="http://schemas.microsoft.com/office/mac/drawingml/2011/main" val="1"/>
             </a:ext>
           </a:extLst>
         </p:spPr>
@@ -13988,7 +13778,7 @@
           </a:ln>
           <a:extLst>
             <a:ext uri="{C572A759-6A51-4108-AA02-DFA0A04FC94B}">
-              <ma14:wrappingTextBoxFlag xmlns:ma14="http://schemas.microsoft.com/office/mac/drawingml/2011/main" xmlns:a14="http://schemas.microsoft.com/office/drawing/2010/main" xmlns:m="http://schemas.openxmlformats.org/officeDocument/2006/math" xmlns="" val="1"/>
+              <ma14:wrappingTextBoxFlag xmlns="" xmlns:m="http://schemas.openxmlformats.org/officeDocument/2006/math" xmlns:a14="http://schemas.microsoft.com/office/drawing/2010/main" xmlns:ma14="http://schemas.microsoft.com/office/mac/drawingml/2011/main" val="1"/>
             </a:ext>
           </a:extLst>
         </p:spPr>
@@ -14039,7 +13829,7 @@
           </a:ln>
           <a:extLst>
             <a:ext uri="{C572A759-6A51-4108-AA02-DFA0A04FC94B}">
-              <ma14:wrappingTextBoxFlag xmlns:ma14="http://schemas.microsoft.com/office/mac/drawingml/2011/main" xmlns:a14="http://schemas.microsoft.com/office/drawing/2010/main" xmlns:m="http://schemas.openxmlformats.org/officeDocument/2006/math" xmlns="" val="1"/>
+              <ma14:wrappingTextBoxFlag xmlns="" xmlns:m="http://schemas.openxmlformats.org/officeDocument/2006/math" xmlns:a14="http://schemas.microsoft.com/office/drawing/2010/main" xmlns:ma14="http://schemas.microsoft.com/office/mac/drawingml/2011/main" val="1"/>
             </a:ext>
           </a:extLst>
         </p:spPr>
@@ -14124,7 +13914,7 @@
     <a:masterClrMapping/>
   </p:clrMapOvr>
   <mc:AlternateContent xmlns:mc="http://schemas.openxmlformats.org/markup-compatibility/2006">
-    <mc:Choice xmlns="" xmlns:p159="http://schemas.microsoft.com/office/powerpoint/2015/09/main" Requires="p159">
+    <mc:Choice xmlns:p159="http://schemas.microsoft.com/office/powerpoint/2015/09/main" xmlns="" Requires="p159">
       <p:transition xmlns:p14="http://schemas.microsoft.com/office/powerpoint/2010/main" spd="slow" p14:dur="2000">
         <p159:morph option="byObject"/>
       </p:transition>
@@ -14138,169 +13928,9 @@
   <p:timing>
     <p:tnLst>
       <p:par>
-        <p:cTn id="1" dur="indefinite" restart="never" nodeType="tmRoot">
-          <p:childTnLst>
-            <p:seq concurrent="1" nextAc="seek">
-              <p:cTn id="2" dur="indefinite" nodeType="mainSeq">
-                <p:childTnLst>
-                  <p:par>
-                    <p:cTn id="3" fill="hold">
-                      <p:stCondLst>
-                        <p:cond delay="indefinite"/>
-                      </p:stCondLst>
-                      <p:childTnLst>
-                        <p:par>
-                          <p:cTn id="4" fill="hold">
-                            <p:stCondLst>
-                              <p:cond delay="0"/>
-                            </p:stCondLst>
-                            <p:childTnLst>
-                              <p:par>
-                                <p:cTn id="5" presetID="1" presetClass="entr" presetSubtype="0" fill="hold" grpId="0" nodeType="clickEffect">
-                                  <p:stCondLst>
-                                    <p:cond delay="0"/>
-                                  </p:stCondLst>
-                                  <p:iterate>
-                                    <p:tmAbs val="0"/>
-                                  </p:iterate>
-                                  <p:childTnLst>
-                                    <p:set>
-                                      <p:cBhvr>
-                                        <p:cTn id="6" fill="hold"/>
-                                        <p:tgtEl>
-                                          <p:spTgt spid="46"/>
-                                        </p:tgtEl>
-                                        <p:attrNameLst>
-                                          <p:attrName>style.visibility</p:attrName>
-                                        </p:attrNameLst>
-                                      </p:cBhvr>
-                                      <p:to>
-                                        <p:strVal val="visible"/>
-                                      </p:to>
-                                    </p:set>
-                                  </p:childTnLst>
-                                </p:cTn>
-                              </p:par>
-                            </p:childTnLst>
-                          </p:cTn>
-                        </p:par>
-                      </p:childTnLst>
-                    </p:cTn>
-                  </p:par>
-                  <p:par>
-                    <p:cTn id="7" fill="hold">
-                      <p:stCondLst>
-                        <p:cond delay="indefinite"/>
-                      </p:stCondLst>
-                      <p:childTnLst>
-                        <p:par>
-                          <p:cTn id="8" fill="hold">
-                            <p:stCondLst>
-                              <p:cond delay="0"/>
-                            </p:stCondLst>
-                            <p:childTnLst>
-                              <p:par>
-                                <p:cTn id="9" presetID="1" presetClass="entr" presetSubtype="0" fill="hold" grpId="0" nodeType="clickEffect">
-                                  <p:stCondLst>
-                                    <p:cond delay="0"/>
-                                  </p:stCondLst>
-                                  <p:iterate>
-                                    <p:tmAbs val="0"/>
-                                  </p:iterate>
-                                  <p:childTnLst>
-                                    <p:set>
-                                      <p:cBhvr>
-                                        <p:cTn id="10" fill="hold"/>
-                                        <p:tgtEl>
-                                          <p:spTgt spid="47"/>
-                                        </p:tgtEl>
-                                        <p:attrNameLst>
-                                          <p:attrName>style.visibility</p:attrName>
-                                        </p:attrNameLst>
-                                      </p:cBhvr>
-                                      <p:to>
-                                        <p:strVal val="visible"/>
-                                      </p:to>
-                                    </p:set>
-                                  </p:childTnLst>
-                                </p:cTn>
-                              </p:par>
-                            </p:childTnLst>
-                          </p:cTn>
-                        </p:par>
-                      </p:childTnLst>
-                    </p:cTn>
-                  </p:par>
-                  <p:par>
-                    <p:cTn id="11" fill="hold">
-                      <p:stCondLst>
-                        <p:cond delay="indefinite"/>
-                      </p:stCondLst>
-                      <p:childTnLst>
-                        <p:par>
-                          <p:cTn id="12" fill="hold">
-                            <p:stCondLst>
-                              <p:cond delay="0"/>
-                            </p:stCondLst>
-                            <p:childTnLst>
-                              <p:par>
-                                <p:cTn id="13" presetID="1" presetClass="entr" presetSubtype="0" fill="hold" grpId="0" nodeType="clickEffect">
-                                  <p:stCondLst>
-                                    <p:cond delay="0"/>
-                                  </p:stCondLst>
-                                  <p:iterate>
-                                    <p:tmAbs val="0"/>
-                                  </p:iterate>
-                                  <p:childTnLst>
-                                    <p:set>
-                                      <p:cBhvr>
-                                        <p:cTn id="14" fill="hold"/>
-                                        <p:tgtEl>
-                                          <p:spTgt spid="48"/>
-                                        </p:tgtEl>
-                                        <p:attrNameLst>
-                                          <p:attrName>style.visibility</p:attrName>
-                                        </p:attrNameLst>
-                                      </p:cBhvr>
-                                      <p:to>
-                                        <p:strVal val="visible"/>
-                                      </p:to>
-                                    </p:set>
-                                  </p:childTnLst>
-                                </p:cTn>
-                              </p:par>
-                            </p:childTnLst>
-                          </p:cTn>
-                        </p:par>
-                      </p:childTnLst>
-                    </p:cTn>
-                  </p:par>
-                </p:childTnLst>
-              </p:cTn>
-              <p:prevCondLst>
-                <p:cond evt="onPrev" delay="0">
-                  <p:tgtEl>
-                    <p:sldTgt/>
-                  </p:tgtEl>
-                </p:cond>
-              </p:prevCondLst>
-              <p:nextCondLst>
-                <p:cond evt="onNext" delay="0">
-                  <p:tgtEl>
-                    <p:sldTgt/>
-                  </p:tgtEl>
-                </p:cond>
-              </p:nextCondLst>
-            </p:seq>
-          </p:childTnLst>
-        </p:cTn>
+        <p:cTn id="1" dur="indefinite" restart="never" nodeType="tmRoot"/>
       </p:par>
     </p:tnLst>
-    <p:bldLst>
-      <p:bldP spid="46" grpId="0" animBg="1" advAuto="0"/>
-      <p:bldP spid="47" grpId="0" animBg="1" advAuto="0"/>
-      <p:bldP spid="48" grpId="0" animBg="1" advAuto="0"/>
-    </p:bldLst>
   </p:timing>
 </p:sld>
 </file>
@@ -14901,88 +14531,6 @@
 </file>
 
 <file path=customXml/item2.xml><?xml version="1.0" encoding="utf-8"?>
-<?mso-contentType ?>
-<FormTemplates xmlns="http://schemas.microsoft.com/sharepoint/v3/contenttype/forms">
-  <Display>DocumentLibraryForm</Display>
-  <Edit>DocumentLibraryForm</Edit>
-  <New>DocumentLibraryForm</New>
-</FormTemplates>
-</file>
-
-<file path=customXml/item3.xml><?xml version="1.0" encoding="utf-8"?>
-<p:properties xmlns:p="http://schemas.microsoft.com/office/2006/metadata/properties" xmlns:xsi="http://www.w3.org/2001/XMLSchema-instance" xmlns:pc="http://schemas.microsoft.com/office/infopath/2007/PartnerControls">
-  <documentManagement>
-    <TaxCatchAll xmlns="0d112806-a571-4b5c-9687-83175e2be7e0">
-      <Value>100</Value>
-      <Value>410</Value>
-      <Value>3</Value>
-      <Value>2</Value>
-      <Value>54</Value>
-      <Value>85</Value>
-    </TaxCatchAll>
-    <jf7e3681a28b49cbb02ac7c0053f9030 xmlns="0d112806-a571-4b5c-9687-83175e2be7e0">
-      <Terms xmlns="http://schemas.microsoft.com/office/infopath/2007/PartnerControls">
-        <TermInfo xmlns="http://schemas.microsoft.com/office/infopath/2007/PartnerControls">
-          <TermName xmlns="http://schemas.microsoft.com/office/infopath/2007/PartnerControls">Artefactos de marca</TermName>
-          <TermId xmlns="http://schemas.microsoft.com/office/infopath/2007/PartnerControls">8ee79862-260e-4ece-b336-79e88acc770f</TermId>
-        </TermInfo>
-      </Terms>
-    </jf7e3681a28b49cbb02ac7c0053f9030>
-    <EstatusVigenciaRetencion xmlns="0d112806-a571-4b5c-9687-83175e2be7e0">En proceso</EstatusVigenciaRetencion>
-    <BanderaAviso xmlns="0d112806-a571-4b5c-9687-83175e2be7e0">0</BanderaAviso>
-    <p7c0553556804494a200f658a7be40bb xmlns="0d112806-a571-4b5c-9687-83175e2be7e0">
-      <Terms xmlns="http://schemas.microsoft.com/office/infopath/2007/PartnerControls"/>
-    </p7c0553556804494a200f658a7be40bb>
-    <p99903d2540a45ee9a3299a0b877a2fa xmlns="0d112806-a571-4b5c-9687-83175e2be7e0">
-      <Terms xmlns="http://schemas.microsoft.com/office/infopath/2007/PartnerControls">
-        <TermInfo xmlns="http://schemas.microsoft.com/office/infopath/2007/PartnerControls">
-          <TermName xmlns="http://schemas.microsoft.com/office/infopath/2007/PartnerControls">Uso interno</TermName>
-          <TermId xmlns="http://schemas.microsoft.com/office/infopath/2007/PartnerControls">394084ff-5794-49bc-be44-73be0f39b062</TermId>
-        </TermInfo>
-      </Terms>
-    </p99903d2540a45ee9a3299a0b877a2fa>
-    <h4dfef7ba72949018326fb9ce4d0a291 xmlns="0d112806-a571-4b5c-9687-83175e2be7e0">
-      <Terms xmlns="http://schemas.microsoft.com/office/infopath/2007/PartnerControls">
-        <TermInfo xmlns="http://schemas.microsoft.com/office/infopath/2007/PartnerControls">
-          <TermName xmlns="http://schemas.microsoft.com/office/infopath/2007/PartnerControls">Plantilla</TermName>
-          <TermId xmlns="http://schemas.microsoft.com/office/infopath/2007/PartnerControls">d5e1061d-919e-4442-88e7-3049796b4315</TermId>
-        </TermInfo>
-      </Terms>
-    </h4dfef7ba72949018326fb9ce4d0a291>
-    <VersionDocumento xmlns="0d112806-a571-4b5c-9687-83175e2be7e0">1</VersionDocumento>
-    <PeriodoVigenciaOp xmlns="0d112806-a571-4b5c-9687-83175e2be7e0">5 años</PeriodoVigenciaOp>
-    <Acciones xmlns="0d112806-a571-4b5c-9687-83175e2be7e0" xsi:nil="true"/>
-    <ebe43492e85446a78a91ba8fc80b6dc0 xmlns="0d112806-a571-4b5c-9687-83175e2be7e0">
-      <Terms xmlns="http://schemas.microsoft.com/office/infopath/2007/PartnerControls">
-        <TermInfo xmlns="http://schemas.microsoft.com/office/infopath/2007/PartnerControls">
-          <TermName xmlns="http://schemas.microsoft.com/office/infopath/2007/PartnerControls">Marketing</TermName>
-          <TermId xmlns="http://schemas.microsoft.com/office/infopath/2007/PartnerControls">9df7ab70-40b0-4076-8e0b-a73a90c2278a</TermId>
-        </TermInfo>
-      </Terms>
-    </ebe43492e85446a78a91ba8fc80b6dc0>
-    <FechaUltimaActualizacion xmlns="0d112806-a571-4b5c-9687-83175e2be7e0">2023-04-25T05:00:00+00:00</FechaUltimaActualizacion>
-    <j14b7e14421c46c7bd9164aa7bc27f64 xmlns="0d112806-a571-4b5c-9687-83175e2be7e0">
-      <Terms xmlns="http://schemas.microsoft.com/office/infopath/2007/PartnerControls">
-        <TermInfo xmlns="http://schemas.microsoft.com/office/infopath/2007/PartnerControls">
-          <TermName xmlns="http://schemas.microsoft.com/office/infopath/2007/PartnerControls">Corporativo</TermName>
-          <TermId xmlns="http://schemas.microsoft.com/office/infopath/2007/PartnerControls">71edeffe-accb-475b-a642-bfb9a76fd90b</TermId>
-        </TermInfo>
-      </Terms>
-    </j14b7e14421c46c7bd9164aa7bc27f64>
-    <Título_x0020__x0028_CentralAxity_x0029_ xmlns="0d112806-a571-4b5c-9687-83175e2be7e0">Plantilla PowerPoint Corporativa</Título_x0020__x0028_CentralAxity_x0029_>
-    <h5ed8971cb164a0da78e87f7bb125ff3 xmlns="0d112806-a571-4b5c-9687-83175e2be7e0">
-      <Terms xmlns="http://schemas.microsoft.com/office/infopath/2007/PartnerControls">
-        <TermInfo xmlns="http://schemas.microsoft.com/office/infopath/2007/PartnerControls">
-          <TermName xmlns="http://schemas.microsoft.com/office/infopath/2007/PartnerControls">sonia.reyes@axity.com</TermName>
-          <TermId xmlns="http://schemas.microsoft.com/office/infopath/2007/PartnerControls">5ef0832a-0176-4c98-9fa8-63ba5e52a41a</TermId>
-        </TermInfo>
-      </Terms>
-    </h5ed8971cb164a0da78e87f7bb125ff3>
-  </documentManagement>
-</p:properties>
-</file>
-
-<file path=customXml/item4.xml><?xml version="1.0" encoding="utf-8"?>
 <ct:contentTypeSchema xmlns:ct="http://schemas.microsoft.com/office/2006/metadata/contentType" xmlns:ma="http://schemas.microsoft.com/office/2006/metadata/properties/metaAttributes" ct:_="" ma:_="" ma:contentTypeName="Documento CentralAxity" ma:contentTypeID="0x0101005A854A2E6B3FC44BBB7F26F86BC45764002E846109D8A79B4CB1EC976CD11B6E35" ma:contentTypeVersion="50" ma:contentTypeDescription="Documento incorporado a las directivas de la CentralAxity" ma:contentTypeScope="" ma:versionID="597f588e411d17887b088d4f21d28ad0">
   <xsd:schema xmlns:xsd="http://www.w3.org/2001/XMLSchema" xmlns:xs="http://www.w3.org/2001/XMLSchema" xmlns:p="http://schemas.microsoft.com/office/2006/metadata/properties" xmlns:ns1="http://schemas.microsoft.com/sharepoint/v3" xmlns:ns2="0d112806-a571-4b5c-9687-83175e2be7e0" xmlns:ns3="5715b14d-6155-4883-b773-4a6f0b526cee" xmlns:ns4="494b7d94-68f9-41b0-9fd8-f8ea6ae98d38" targetNamespace="http://schemas.microsoft.com/office/2006/metadata/properties" ma:root="true" ma:fieldsID="02c9543a257ef598f71b0847a18c2884" ns1:_="" ns2:_="" ns3:_="" ns4:_="">
     <xsd:import namespace="http://schemas.microsoft.com/sharepoint/v3"/>
@@ -15313,6 +14861,88 @@
 </ct:contentTypeSchema>
 </file>
 
+<file path=customXml/item3.xml><?xml version="1.0" encoding="utf-8"?>
+<p:properties xmlns:p="http://schemas.microsoft.com/office/2006/metadata/properties" xmlns:xsi="http://www.w3.org/2001/XMLSchema-instance" xmlns:pc="http://schemas.microsoft.com/office/infopath/2007/PartnerControls">
+  <documentManagement>
+    <TaxCatchAll xmlns="0d112806-a571-4b5c-9687-83175e2be7e0">
+      <Value>100</Value>
+      <Value>410</Value>
+      <Value>3</Value>
+      <Value>2</Value>
+      <Value>54</Value>
+      <Value>85</Value>
+    </TaxCatchAll>
+    <jf7e3681a28b49cbb02ac7c0053f9030 xmlns="0d112806-a571-4b5c-9687-83175e2be7e0">
+      <Terms xmlns="http://schemas.microsoft.com/office/infopath/2007/PartnerControls">
+        <TermInfo xmlns="http://schemas.microsoft.com/office/infopath/2007/PartnerControls">
+          <TermName xmlns="http://schemas.microsoft.com/office/infopath/2007/PartnerControls">Artefactos de marca</TermName>
+          <TermId xmlns="http://schemas.microsoft.com/office/infopath/2007/PartnerControls">8ee79862-260e-4ece-b336-79e88acc770f</TermId>
+        </TermInfo>
+      </Terms>
+    </jf7e3681a28b49cbb02ac7c0053f9030>
+    <EstatusVigenciaRetencion xmlns="0d112806-a571-4b5c-9687-83175e2be7e0">En proceso</EstatusVigenciaRetencion>
+    <BanderaAviso xmlns="0d112806-a571-4b5c-9687-83175e2be7e0">0</BanderaAviso>
+    <p7c0553556804494a200f658a7be40bb xmlns="0d112806-a571-4b5c-9687-83175e2be7e0">
+      <Terms xmlns="http://schemas.microsoft.com/office/infopath/2007/PartnerControls"/>
+    </p7c0553556804494a200f658a7be40bb>
+    <p99903d2540a45ee9a3299a0b877a2fa xmlns="0d112806-a571-4b5c-9687-83175e2be7e0">
+      <Terms xmlns="http://schemas.microsoft.com/office/infopath/2007/PartnerControls">
+        <TermInfo xmlns="http://schemas.microsoft.com/office/infopath/2007/PartnerControls">
+          <TermName xmlns="http://schemas.microsoft.com/office/infopath/2007/PartnerControls">Uso interno</TermName>
+          <TermId xmlns="http://schemas.microsoft.com/office/infopath/2007/PartnerControls">394084ff-5794-49bc-be44-73be0f39b062</TermId>
+        </TermInfo>
+      </Terms>
+    </p99903d2540a45ee9a3299a0b877a2fa>
+    <h4dfef7ba72949018326fb9ce4d0a291 xmlns="0d112806-a571-4b5c-9687-83175e2be7e0">
+      <Terms xmlns="http://schemas.microsoft.com/office/infopath/2007/PartnerControls">
+        <TermInfo xmlns="http://schemas.microsoft.com/office/infopath/2007/PartnerControls">
+          <TermName xmlns="http://schemas.microsoft.com/office/infopath/2007/PartnerControls">Plantilla</TermName>
+          <TermId xmlns="http://schemas.microsoft.com/office/infopath/2007/PartnerControls">d5e1061d-919e-4442-88e7-3049796b4315</TermId>
+        </TermInfo>
+      </Terms>
+    </h4dfef7ba72949018326fb9ce4d0a291>
+    <VersionDocumento xmlns="0d112806-a571-4b5c-9687-83175e2be7e0">1</VersionDocumento>
+    <PeriodoVigenciaOp xmlns="0d112806-a571-4b5c-9687-83175e2be7e0">5 años</PeriodoVigenciaOp>
+    <Acciones xmlns="0d112806-a571-4b5c-9687-83175e2be7e0" xsi:nil="true"/>
+    <ebe43492e85446a78a91ba8fc80b6dc0 xmlns="0d112806-a571-4b5c-9687-83175e2be7e0">
+      <Terms xmlns="http://schemas.microsoft.com/office/infopath/2007/PartnerControls">
+        <TermInfo xmlns="http://schemas.microsoft.com/office/infopath/2007/PartnerControls">
+          <TermName xmlns="http://schemas.microsoft.com/office/infopath/2007/PartnerControls">Marketing</TermName>
+          <TermId xmlns="http://schemas.microsoft.com/office/infopath/2007/PartnerControls">9df7ab70-40b0-4076-8e0b-a73a90c2278a</TermId>
+        </TermInfo>
+      </Terms>
+    </ebe43492e85446a78a91ba8fc80b6dc0>
+    <FechaUltimaActualizacion xmlns="0d112806-a571-4b5c-9687-83175e2be7e0">2023-04-25T05:00:00+00:00</FechaUltimaActualizacion>
+    <j14b7e14421c46c7bd9164aa7bc27f64 xmlns="0d112806-a571-4b5c-9687-83175e2be7e0">
+      <Terms xmlns="http://schemas.microsoft.com/office/infopath/2007/PartnerControls">
+        <TermInfo xmlns="http://schemas.microsoft.com/office/infopath/2007/PartnerControls">
+          <TermName xmlns="http://schemas.microsoft.com/office/infopath/2007/PartnerControls">Corporativo</TermName>
+          <TermId xmlns="http://schemas.microsoft.com/office/infopath/2007/PartnerControls">71edeffe-accb-475b-a642-bfb9a76fd90b</TermId>
+        </TermInfo>
+      </Terms>
+    </j14b7e14421c46c7bd9164aa7bc27f64>
+    <Título_x0020__x0028_CentralAxity_x0029_ xmlns="0d112806-a571-4b5c-9687-83175e2be7e0">Plantilla PowerPoint Corporativa</Título_x0020__x0028_CentralAxity_x0029_>
+    <h5ed8971cb164a0da78e87f7bb125ff3 xmlns="0d112806-a571-4b5c-9687-83175e2be7e0">
+      <Terms xmlns="http://schemas.microsoft.com/office/infopath/2007/PartnerControls">
+        <TermInfo xmlns="http://schemas.microsoft.com/office/infopath/2007/PartnerControls">
+          <TermName xmlns="http://schemas.microsoft.com/office/infopath/2007/PartnerControls">sonia.reyes@axity.com</TermName>
+          <TermId xmlns="http://schemas.microsoft.com/office/infopath/2007/PartnerControls">5ef0832a-0176-4c98-9fa8-63ba5e52a41a</TermId>
+        </TermInfo>
+      </Terms>
+    </h5ed8971cb164a0da78e87f7bb125ff3>
+  </documentManagement>
+</p:properties>
+</file>
+
+<file path=customXml/item4.xml><?xml version="1.0" encoding="utf-8"?>
+<?mso-contentType ?>
+<FormTemplates xmlns="http://schemas.microsoft.com/sharepoint/v3/contenttype/forms">
+  <Display>DocumentLibraryForm</Display>
+  <Edit>DocumentLibraryForm</Edit>
+  <New>DocumentLibraryForm</New>
+</FormTemplates>
+</file>
+
 <file path=customXml/itemProps1.xml><?xml version="1.0" encoding="utf-8"?>
 <ds:datastoreItem xmlns:ds="http://schemas.openxmlformats.org/officeDocument/2006/customXml" ds:itemID="{4715E428-4D5D-44BE-8CDF-D0767275E30E}">
   <ds:schemaRefs>
@@ -15322,33 +14952,6 @@
 </file>
 
 <file path=customXml/itemProps2.xml><?xml version="1.0" encoding="utf-8"?>
-<ds:datastoreItem xmlns:ds="http://schemas.openxmlformats.org/officeDocument/2006/customXml" ds:itemID="{E35C8FFE-5946-45D2-8509-5F55C5B9ED1B}">
-  <ds:schemaRefs>
-    <ds:schemaRef ds:uri="http://schemas.microsoft.com/sharepoint/v3/contenttype/forms"/>
-  </ds:schemaRefs>
-</ds:datastoreItem>
-</file>
-
-<file path=customXml/itemProps3.xml><?xml version="1.0" encoding="utf-8"?>
-<ds:datastoreItem xmlns:ds="http://schemas.openxmlformats.org/officeDocument/2006/customXml" ds:itemID="{2D0DF8DB-B03C-4353-B44A-DA8E261EF087}">
-  <ds:schemaRefs>
-    <ds:schemaRef ds:uri="5715b14d-6155-4883-b773-4a6f0b526cee"/>
-    <ds:schemaRef ds:uri="http://schemas.openxmlformats.org/package/2006/metadata/core-properties"/>
-    <ds:schemaRef ds:uri="0d112806-a571-4b5c-9687-83175e2be7e0"/>
-    <ds:schemaRef ds:uri="http://schemas.microsoft.com/office/2006/metadata/properties"/>
-    <ds:schemaRef ds:uri="http://purl.org/dc/elements/1.1/"/>
-    <ds:schemaRef ds:uri="http://purl.org/dc/dcmitype/"/>
-    <ds:schemaRef ds:uri="http://schemas.microsoft.com/office/2006/documentManagement/types"/>
-    <ds:schemaRef ds:uri="http://www.w3.org/XML/1998/namespace"/>
-    <ds:schemaRef ds:uri="http://schemas.microsoft.com/sharepoint/v3"/>
-    <ds:schemaRef ds:uri="http://schemas.microsoft.com/office/infopath/2007/PartnerControls"/>
-    <ds:schemaRef ds:uri="494b7d94-68f9-41b0-9fd8-f8ea6ae98d38"/>
-    <ds:schemaRef ds:uri="http://purl.org/dc/terms/"/>
-  </ds:schemaRefs>
-</ds:datastoreItem>
-</file>
-
-<file path=customXml/itemProps4.xml><?xml version="1.0" encoding="utf-8"?>
 <ds:datastoreItem xmlns:ds="http://schemas.openxmlformats.org/officeDocument/2006/customXml" ds:itemID="{F691990F-56CB-48C0-A899-B2AAEA1FE2B5}">
   <ds:schemaRefs>
     <ds:schemaRef ds:uri="http://schemas.microsoft.com/office/2006/metadata/contentType"/>
@@ -15367,4 +14970,31 @@
     <ds:schemaRef ds:uri="http://schemas.microsoft.com/internal/obd"/>
   </ds:schemaRefs>
 </ds:datastoreItem>
+</file>
+
+<file path=customXml/itemProps3.xml><?xml version="1.0" encoding="utf-8"?>
+<ds:datastoreItem xmlns:ds="http://schemas.openxmlformats.org/officeDocument/2006/customXml" ds:itemID="{2D0DF8DB-B03C-4353-B44A-DA8E261EF087}">
+  <ds:schemaRefs>
+    <ds:schemaRef ds:uri="494b7d94-68f9-41b0-9fd8-f8ea6ae98d38"/>
+    <ds:schemaRef ds:uri="http://purl.org/dc/elements/1.1/"/>
+    <ds:schemaRef ds:uri="http://schemas.microsoft.com/office/2006/documentManagement/types"/>
+    <ds:schemaRef ds:uri="http://schemas.openxmlformats.org/package/2006/metadata/core-properties"/>
+    <ds:schemaRef ds:uri="http://www.w3.org/XML/1998/namespace"/>
+    <ds:schemaRef ds:uri="http://schemas.microsoft.com/sharepoint/v3"/>
+    <ds:schemaRef ds:uri="http://schemas.microsoft.com/office/2006/metadata/properties"/>
+    <ds:schemaRef ds:uri="http://purl.org/dc/dcmitype/"/>
+    <ds:schemaRef ds:uri="0d112806-a571-4b5c-9687-83175e2be7e0"/>
+    <ds:schemaRef ds:uri="http://schemas.microsoft.com/office/infopath/2007/PartnerControls"/>
+    <ds:schemaRef ds:uri="5715b14d-6155-4883-b773-4a6f0b526cee"/>
+    <ds:schemaRef ds:uri="http://purl.org/dc/terms/"/>
+  </ds:schemaRefs>
+</ds:datastoreItem>
+</file>
+
+<file path=customXml/itemProps4.xml><?xml version="1.0" encoding="utf-8"?>
+<ds:datastoreItem xmlns:ds="http://schemas.openxmlformats.org/officeDocument/2006/customXml" ds:itemID="{E35C8FFE-5946-45D2-8509-5F55C5B9ED1B}">
+  <ds:schemaRefs>
+    <ds:schemaRef ds:uri="http://schemas.microsoft.com/sharepoint/v3/contenttype/forms"/>
+  </ds:schemaRefs>
+</ds:datastoreItem>
 </file>